--- a/cuda_training_slide_deck.pptx
+++ b/cuda_training_slide_deck.pptx
@@ -16,6 +16,7 @@
     <p:sldId id="261" r:id="rId10"/>
     <p:sldId id="262" r:id="rId11"/>
     <p:sldId id="263" r:id="rId12"/>
+    <p:sldId id="264" r:id="rId13"/>
   </p:sldIdLst>
   <p:sldSz cy="5143500" cx="9144000"/>
   <p:notesSz cx="6858000" cy="9144000"/>
@@ -941,7 +942,7 @@
       </p:grpSpPr>
       <p:sp>
         <p:nvSpPr>
-          <p:cNvPr id="84" name="Google Shape;84;g142b143bdac_0_0:notes"/>
+          <p:cNvPr id="84" name="Google Shape;84;g142d0e2344d_0_2:notes"/>
           <p:cNvSpPr/>
           <p:nvPr>
             <p:ph idx="2" type="sldImg"/>
@@ -976,7 +977,7 @@
       </p:sp>
       <p:sp>
         <p:nvSpPr>
-          <p:cNvPr id="85" name="Google Shape;85;g142b143bdac_0_0:notes"/>
+          <p:cNvPr id="85" name="Google Shape;85;g142d0e2344d_0_2:notes"/>
           <p:cNvSpPr txBox="1"/>
           <p:nvPr>
             <p:ph idx="1" type="body"/>
@@ -1034,7 +1035,7 @@
   <p:cSld>
     <p:spTree>
       <p:nvGrpSpPr>
-        <p:cNvPr id="96" name="Shape 96"/>
+        <p:cNvPr id="92" name="Shape 92"/>
         <p:cNvGrpSpPr/>
         <p:nvPr/>
       </p:nvGrpSpPr>
@@ -1048,7 +1049,7 @@
       </p:grpSpPr>
       <p:sp>
         <p:nvSpPr>
-          <p:cNvPr id="97" name="Google Shape;97;g142aa2e8743_0_7:notes"/>
+          <p:cNvPr id="93" name="Google Shape;93;g142b143bdac_0_0:notes"/>
           <p:cNvSpPr/>
           <p:nvPr>
             <p:ph idx="2" type="sldImg"/>
@@ -1083,7 +1084,7 @@
       </p:sp>
       <p:sp>
         <p:nvSpPr>
-          <p:cNvPr id="98" name="Google Shape;98;g142aa2e8743_0_7:notes"/>
+          <p:cNvPr id="94" name="Google Shape;94;g142b143bdac_0_0:notes"/>
           <p:cNvSpPr txBox="1"/>
           <p:nvPr>
             <p:ph idx="1" type="body"/>
@@ -1141,7 +1142,7 @@
   <p:cSld>
     <p:spTree>
       <p:nvGrpSpPr>
-        <p:cNvPr id="110" name="Shape 110"/>
+        <p:cNvPr id="105" name="Shape 105"/>
         <p:cNvGrpSpPr/>
         <p:nvPr/>
       </p:nvGrpSpPr>
@@ -1155,7 +1156,7 @@
       </p:grpSpPr>
       <p:sp>
         <p:nvSpPr>
-          <p:cNvPr id="111" name="Google Shape;111;g142aa2e8743_0_23:notes"/>
+          <p:cNvPr id="106" name="Google Shape;106;g142aa2e8743_0_7:notes"/>
           <p:cNvSpPr/>
           <p:nvPr>
             <p:ph idx="2" type="sldImg"/>
@@ -1190,7 +1191,7 @@
       </p:sp>
       <p:sp>
         <p:nvSpPr>
-          <p:cNvPr id="112" name="Google Shape;112;g142aa2e8743_0_23:notes"/>
+          <p:cNvPr id="107" name="Google Shape;107;g142aa2e8743_0_7:notes"/>
           <p:cNvSpPr txBox="1"/>
           <p:nvPr>
             <p:ph idx="1" type="body"/>
@@ -1248,7 +1249,7 @@
   <p:cSld>
     <p:spTree>
       <p:nvGrpSpPr>
-        <p:cNvPr id="120" name="Shape 120"/>
+        <p:cNvPr id="119" name="Shape 119"/>
         <p:cNvGrpSpPr/>
         <p:nvPr/>
       </p:nvGrpSpPr>
@@ -1262,7 +1263,7 @@
       </p:grpSpPr>
       <p:sp>
         <p:nvSpPr>
-          <p:cNvPr id="121" name="Google Shape;121;g142aa2e8743_0_39:notes"/>
+          <p:cNvPr id="120" name="Google Shape;120;g142aa2e8743_0_23:notes"/>
           <p:cNvSpPr/>
           <p:nvPr>
             <p:ph idx="2" type="sldImg"/>
@@ -1297,7 +1298,7 @@
       </p:sp>
       <p:sp>
         <p:nvSpPr>
-          <p:cNvPr id="122" name="Google Shape;122;g142aa2e8743_0_39:notes"/>
+          <p:cNvPr id="121" name="Google Shape;121;g142aa2e8743_0_23:notes"/>
           <p:cNvSpPr txBox="1"/>
           <p:nvPr>
             <p:ph idx="1" type="body"/>
@@ -1369,7 +1370,7 @@
       </p:grpSpPr>
       <p:sp>
         <p:nvSpPr>
-          <p:cNvPr id="130" name="Google Shape;130;g142aa2e8743_0_50:notes"/>
+          <p:cNvPr id="130" name="Google Shape;130;g142aa2e8743_0_39:notes"/>
           <p:cNvSpPr/>
           <p:nvPr>
             <p:ph idx="2" type="sldImg"/>
@@ -1404,7 +1405,7 @@
       </p:sp>
       <p:sp>
         <p:nvSpPr>
-          <p:cNvPr id="131" name="Google Shape;131;g142aa2e8743_0_50:notes"/>
+          <p:cNvPr id="131" name="Google Shape;131;g142aa2e8743_0_39:notes"/>
           <p:cNvSpPr txBox="1"/>
           <p:nvPr>
             <p:ph idx="1" type="body"/>
@@ -1462,7 +1463,7 @@
   <p:cSld>
     <p:spTree>
       <p:nvGrpSpPr>
-        <p:cNvPr id="137" name="Shape 137"/>
+        <p:cNvPr id="138" name="Shape 138"/>
         <p:cNvGrpSpPr/>
         <p:nvPr/>
       </p:nvGrpSpPr>
@@ -1476,7 +1477,7 @@
       </p:grpSpPr>
       <p:sp>
         <p:nvSpPr>
-          <p:cNvPr id="138" name="Google Shape;138;ge75cbb0fc9_0_134:notes"/>
+          <p:cNvPr id="139" name="Google Shape;139;g142aa2e8743_0_50:notes"/>
           <p:cNvSpPr/>
           <p:nvPr>
             <p:ph idx="2" type="sldImg"/>
@@ -1511,7 +1512,114 @@
       </p:sp>
       <p:sp>
         <p:nvSpPr>
-          <p:cNvPr id="139" name="Google Shape;139;ge75cbb0fc9_0_134:notes"/>
+          <p:cNvPr id="140" name="Google Shape;140;g142aa2e8743_0_50:notes"/>
+          <p:cNvSpPr txBox="1"/>
+          <p:nvPr>
+            <p:ph idx="1" type="body"/>
+          </p:nvPr>
+        </p:nvSpPr>
+        <p:spPr>
+          <a:xfrm>
+            <a:off x="685800" y="4343400"/>
+            <a:ext cx="5486400" cy="4114800"/>
+          </a:xfrm>
+          <a:prstGeom prst="rect">
+            <a:avLst/>
+          </a:prstGeom>
+        </p:spPr>
+        <p:txBody>
+          <a:bodyPr anchorCtr="0" anchor="t" bIns="91425" lIns="91425" spcFirstLastPara="1" rIns="91425" wrap="square" tIns="91425">
+            <a:noAutofit/>
+          </a:bodyPr>
+          <a:lstStyle/>
+          <a:p>
+            <a:pPr indent="0" lvl="0" marL="0" rtl="0" algn="l">
+              <a:spcBef>
+                <a:spcPts val="0"/>
+              </a:spcBef>
+              <a:spcAft>
+                <a:spcPts val="0"/>
+              </a:spcAft>
+              <a:buNone/>
+            </a:pPr>
+            <a:r>
+              <a:t/>
+            </a:r>
+            <a:endParaRPr sz="1200">
+              <a:solidFill>
+                <a:schemeClr val="dk1"/>
+              </a:solidFill>
+              <a:latin typeface="Georgia"/>
+              <a:ea typeface="Georgia"/>
+              <a:cs typeface="Georgia"/>
+              <a:sym typeface="Georgia"/>
+            </a:endParaRPr>
+          </a:p>
+        </p:txBody>
+      </p:sp>
+    </p:spTree>
+  </p:cSld>
+  <p:clrMapOvr>
+    <a:masterClrMapping/>
+  </p:clrMapOvr>
+</p:notes>
+</file>
+
+<file path=ppt/notesSlides/notesSlide9.xml><?xml version="1.0" encoding="utf-8"?>
+<p:notes xmlns:a="http://schemas.openxmlformats.org/drawingml/2006/main" xmlns:r="http://schemas.openxmlformats.org/officeDocument/2006/relationships" xmlns:mc="http://schemas.openxmlformats.org/markup-compatibility/2006" xmlns:mv="urn:schemas-microsoft-com:mac:vml" xmlns:p="http://schemas.openxmlformats.org/presentationml/2006/main" xmlns:c="http://schemas.openxmlformats.org/drawingml/2006/chart" xmlns:dgm="http://schemas.openxmlformats.org/drawingml/2006/diagram" xmlns:o="urn:schemas-microsoft-com:office:office" xmlns:v="urn:schemas-microsoft-com:vml" xmlns:pvml="urn:schemas-microsoft-com:office:powerpoint" xmlns:com="http://schemas.openxmlformats.org/drawingml/2006/compatibility" xmlns:p14="http://schemas.microsoft.com/office/powerpoint/2010/main" xmlns:p15="http://schemas.microsoft.com/office/powerpoint/2012/main" xmlns:ahyp="http://schemas.microsoft.com/office/drawing/2018/hyperlinkcolor" showMasterPhAnim="0" showMasterSp="0">
+  <p:cSld>
+    <p:spTree>
+      <p:nvGrpSpPr>
+        <p:cNvPr id="146" name="Shape 146"/>
+        <p:cNvGrpSpPr/>
+        <p:nvPr/>
+      </p:nvGrpSpPr>
+      <p:grpSpPr>
+        <a:xfrm>
+          <a:off x="0" y="0"/>
+          <a:ext cx="0" cy="0"/>
+          <a:chOff x="0" y="0"/>
+          <a:chExt cx="0" cy="0"/>
+        </a:xfrm>
+      </p:grpSpPr>
+      <p:sp>
+        <p:nvSpPr>
+          <p:cNvPr id="147" name="Google Shape;147;ge75cbb0fc9_0_134:notes"/>
+          <p:cNvSpPr/>
+          <p:nvPr>
+            <p:ph idx="2" type="sldImg"/>
+          </p:nvPr>
+        </p:nvSpPr>
+        <p:spPr>
+          <a:xfrm>
+            <a:off x="381175" y="685800"/>
+            <a:ext cx="6096300" cy="3429000"/>
+          </a:xfrm>
+          <a:custGeom>
+            <a:rect b="b" l="l" r="r" t="t"/>
+            <a:pathLst>
+              <a:path extrusionOk="0" h="120000" w="120000">
+                <a:moveTo>
+                  <a:pt x="0" y="0"/>
+                </a:moveTo>
+                <a:lnTo>
+                  <a:pt x="120000" y="0"/>
+                </a:lnTo>
+                <a:lnTo>
+                  <a:pt x="120000" y="120000"/>
+                </a:lnTo>
+                <a:lnTo>
+                  <a:pt x="0" y="120000"/>
+                </a:lnTo>
+                <a:close/>
+              </a:path>
+            </a:pathLst>
+          </a:custGeom>
+        </p:spPr>
+      </p:sp>
+      <p:sp>
+        <p:nvSpPr>
+          <p:cNvPr id="148" name="Google Shape;148;ge75cbb0fc9_0_134:notes"/>
           <p:cNvSpPr txBox="1"/>
           <p:nvPr>
             <p:ph idx="1" type="body"/>
@@ -7843,7 +7951,7 @@
         </p:nvSpPr>
         <p:spPr>
           <a:xfrm>
-            <a:off x="269600" y="67250"/>
+            <a:off x="200725" y="-70525"/>
             <a:ext cx="8520600" cy="1147500"/>
           </a:xfrm>
           <a:prstGeom prst="rect">
@@ -7874,7 +7982,7 @@
                   <a:schemeClr val="lt1"/>
                 </a:highlight>
               </a:rPr>
-              <a:t>Training Machine Learning Model Using GPU vs CPU</a:t>
+              <a:t>17 Minutes or 7 Hours Train ML Model Using GPU vs CPU</a:t>
             </a:r>
             <a:br>
               <a:rPr lang="en" sz="2400">
@@ -7948,7 +8056,7 @@
         <p:spPr>
           <a:xfrm>
             <a:off x="6392525" y="1916800"/>
-            <a:ext cx="2487000" cy="1569900"/>
+            <a:ext cx="2487000" cy="1723800"/>
           </a:xfrm>
           <a:prstGeom prst="rect">
             <a:avLst/>
@@ -8008,7 +8116,7 @@
                 <a:cs typeface="Georgia"/>
                 <a:sym typeface="Georgia"/>
               </a:rPr>
-              <a:t>Data Science and Machine Learning Students</a:t>
+              <a:t>Data Science and Machine Learning Students and Practitioners</a:t>
             </a:r>
             <a:endParaRPr i="1" sz="1000">
               <a:latin typeface="Georgia"/>
@@ -8179,7 +8287,7 @@
         </p:blipFill>
         <p:spPr>
           <a:xfrm>
-            <a:off x="-579450" y="1629288"/>
+            <a:off x="392625" y="1124113"/>
             <a:ext cx="5863199" cy="3069018"/>
           </a:xfrm>
           <a:prstGeom prst="rect">
@@ -8865,7 +8973,19 @@
                 <a:cs typeface="Georgia"/>
                 <a:sym typeface="Georgia"/>
               </a:rPr>
-              <a:t>Results: CUDA – GPU train time and CPU/GPU use profile</a:t>
+              <a:t>CPU and  GPU working together in AI frameworks</a:t>
+            </a:r>
+            <a:r>
+              <a:rPr b="1" lang="en" sz="2000">
+                <a:solidFill>
+                  <a:srgbClr val="1A1A1A"/>
+                </a:solidFill>
+                <a:latin typeface="Georgia"/>
+                <a:ea typeface="Georgia"/>
+                <a:cs typeface="Georgia"/>
+                <a:sym typeface="Georgia"/>
+              </a:rPr>
+              <a:t>:</a:t>
             </a:r>
             <a:endParaRPr b="1" sz="2000">
               <a:latin typeface="Georgia"/>
@@ -8876,23 +8996,81 @@
           </a:p>
         </p:txBody>
       </p:sp>
+      <p:sp>
+        <p:nvSpPr>
+          <p:cNvPr id="90" name="Google Shape;90;p18"/>
+          <p:cNvSpPr txBox="1"/>
+          <p:nvPr/>
+        </p:nvSpPr>
+        <p:spPr>
+          <a:xfrm>
+            <a:off x="378925" y="474550"/>
+            <a:ext cx="8455500" cy="743400"/>
+          </a:xfrm>
+          <a:prstGeom prst="rect">
+            <a:avLst/>
+          </a:prstGeom>
+          <a:noFill/>
+          <a:ln>
+            <a:noFill/>
+          </a:ln>
+        </p:spPr>
+        <p:txBody>
+          <a:bodyPr anchorCtr="0" anchor="t" bIns="91425" lIns="91425" spcFirstLastPara="1" rIns="91425" wrap="square" tIns="91425">
+            <a:spAutoFit/>
+          </a:bodyPr>
+          <a:lstStyle/>
+          <a:p>
+            <a:pPr indent="0" lvl="0" marL="0" rtl="0" algn="l">
+              <a:lnSpc>
+                <a:spcPct val="115000"/>
+              </a:lnSpc>
+              <a:spcBef>
+                <a:spcPts val="0"/>
+              </a:spcBef>
+              <a:spcAft>
+                <a:spcPts val="1200"/>
+              </a:spcAft>
+              <a:buNone/>
+            </a:pPr>
+            <a:r>
+              <a:rPr lang="en" sz="1100">
+                <a:solidFill>
+                  <a:srgbClr val="24292F"/>
+                </a:solidFill>
+                <a:highlight>
+                  <a:srgbClr val="FFFFFF"/>
+                </a:highlight>
+              </a:rPr>
+              <a:t>CPUs have larger instruction sets, allowing them to “do more things” than a GPU.  However, GPUs generally contain thousands of cores, achieve higher parallelism, and are very good with matrix multiplication, utilized by machine learning, and neural net frameworks.  Often times the CPU acts as the “controller” off-loading tasks to the GPU then persisting or evaluating the results.</a:t>
+            </a:r>
+            <a:endParaRPr sz="1300">
+              <a:latin typeface="Lucida Sans"/>
+              <a:ea typeface="Lucida Sans"/>
+              <a:cs typeface="Lucida Sans"/>
+              <a:sym typeface="Lucida Sans"/>
+            </a:endParaRPr>
+          </a:p>
+        </p:txBody>
+      </p:sp>
       <p:pic>
         <p:nvPicPr>
-          <p:cNvPr id="90" name="Google Shape;90;p18"/>
+          <p:cNvPr id="91" name="Google Shape;91;p18"/>
           <p:cNvPicPr preferRelativeResize="0"/>
           <p:nvPr/>
         </p:nvPicPr>
-        <p:blipFill rotWithShape="1">
+        <p:blipFill>
           <a:blip r:embed="rId3">
             <a:alphaModFix/>
           </a:blip>
-          <a:srcRect b="0" l="-480" r="479" t="83807"/>
-          <a:stretch/>
+          <a:stretch>
+            <a:fillRect/>
+          </a:stretch>
         </p:blipFill>
         <p:spPr>
           <a:xfrm>
-            <a:off x="154575" y="779500"/>
-            <a:ext cx="6708076" cy="584550"/>
+            <a:off x="1828625" y="1434350"/>
+            <a:ext cx="5193640" cy="2944426"/>
           </a:xfrm>
           <a:prstGeom prst="rect">
             <a:avLst/>
@@ -8903,218 +9081,6 @@
           </a:ln>
         </p:spPr>
       </p:pic>
-      <p:pic>
-        <p:nvPicPr>
-          <p:cNvPr id="91" name="Google Shape;91;p18"/>
-          <p:cNvPicPr preferRelativeResize="0"/>
-          <p:nvPr/>
-        </p:nvPicPr>
-        <p:blipFill>
-          <a:blip r:embed="rId4">
-            <a:alphaModFix/>
-          </a:blip>
-          <a:stretch>
-            <a:fillRect/>
-          </a:stretch>
-        </p:blipFill>
-        <p:spPr>
-          <a:xfrm>
-            <a:off x="0" y="2426350"/>
-            <a:ext cx="4734125" cy="1404975"/>
-          </a:xfrm>
-          <a:prstGeom prst="rect">
-            <a:avLst/>
-          </a:prstGeom>
-          <a:noFill/>
-          <a:ln>
-            <a:noFill/>
-          </a:ln>
-        </p:spPr>
-      </p:pic>
-      <p:pic>
-        <p:nvPicPr>
-          <p:cNvPr id="92" name="Google Shape;92;p18"/>
-          <p:cNvPicPr preferRelativeResize="0"/>
-          <p:nvPr/>
-        </p:nvPicPr>
-        <p:blipFill>
-          <a:blip r:embed="rId5">
-            <a:alphaModFix/>
-          </a:blip>
-          <a:stretch>
-            <a:fillRect/>
-          </a:stretch>
-        </p:blipFill>
-        <p:spPr>
-          <a:xfrm>
-            <a:off x="4734124" y="1797625"/>
-            <a:ext cx="4304950" cy="2801362"/>
-          </a:xfrm>
-          <a:prstGeom prst="rect">
-            <a:avLst/>
-          </a:prstGeom>
-          <a:noFill/>
-          <a:ln>
-            <a:noFill/>
-          </a:ln>
-        </p:spPr>
-      </p:pic>
-      <p:sp>
-        <p:nvSpPr>
-          <p:cNvPr id="93" name="Google Shape;93;p18"/>
-          <p:cNvSpPr txBox="1"/>
-          <p:nvPr/>
-        </p:nvSpPr>
-        <p:spPr>
-          <a:xfrm>
-            <a:off x="154575" y="456400"/>
-            <a:ext cx="3978600" cy="323100"/>
-          </a:xfrm>
-          <a:prstGeom prst="rect">
-            <a:avLst/>
-          </a:prstGeom>
-          <a:noFill/>
-          <a:ln>
-            <a:noFill/>
-          </a:ln>
-        </p:spPr>
-        <p:txBody>
-          <a:bodyPr anchorCtr="0" anchor="b" bIns="91425" lIns="91425" spcFirstLastPara="1" rIns="91425" wrap="square" tIns="91425">
-            <a:spAutoFit/>
-          </a:bodyPr>
-          <a:lstStyle/>
-          <a:p>
-            <a:pPr indent="0" lvl="0" marL="0" rtl="0" algn="l">
-              <a:spcBef>
-                <a:spcPts val="0"/>
-              </a:spcBef>
-              <a:spcAft>
-                <a:spcPts val="0"/>
-              </a:spcAft>
-              <a:buNone/>
-            </a:pPr>
-            <a:r>
-              <a:rPr lang="en" sz="900">
-                <a:latin typeface="Lucida Sans"/>
-                <a:ea typeface="Lucida Sans"/>
-                <a:cs typeface="Lucida Sans"/>
-                <a:sym typeface="Lucida Sans"/>
-              </a:rPr>
-              <a:t>Train time @ 17 minutes 334 train samples per second.</a:t>
-            </a:r>
-            <a:endParaRPr sz="900">
-              <a:latin typeface="Lucida Sans"/>
-              <a:ea typeface="Lucida Sans"/>
-              <a:cs typeface="Lucida Sans"/>
-              <a:sym typeface="Lucida Sans"/>
-            </a:endParaRPr>
-          </a:p>
-        </p:txBody>
-      </p:sp>
-      <p:sp>
-        <p:nvSpPr>
-          <p:cNvPr id="94" name="Google Shape;94;p18"/>
-          <p:cNvSpPr txBox="1"/>
-          <p:nvPr/>
-        </p:nvSpPr>
-        <p:spPr>
-          <a:xfrm>
-            <a:off x="82250" y="2043175"/>
-            <a:ext cx="2673600" cy="323100"/>
-          </a:xfrm>
-          <a:prstGeom prst="rect">
-            <a:avLst/>
-          </a:prstGeom>
-          <a:noFill/>
-          <a:ln>
-            <a:noFill/>
-          </a:ln>
-        </p:spPr>
-        <p:txBody>
-          <a:bodyPr anchorCtr="0" anchor="b" bIns="91425" lIns="91425" spcFirstLastPara="1" rIns="91425" wrap="square" tIns="91425">
-            <a:spAutoFit/>
-          </a:bodyPr>
-          <a:lstStyle/>
-          <a:p>
-            <a:pPr indent="0" lvl="0" marL="0" rtl="0" algn="l">
-              <a:spcBef>
-                <a:spcPts val="0"/>
-              </a:spcBef>
-              <a:spcAft>
-                <a:spcPts val="0"/>
-              </a:spcAft>
-              <a:buNone/>
-            </a:pPr>
-            <a:r>
-              <a:rPr lang="en" sz="900">
-                <a:latin typeface="Lucida Sans"/>
-                <a:ea typeface="Lucida Sans"/>
-                <a:cs typeface="Lucida Sans"/>
-                <a:sym typeface="Lucida Sans"/>
-              </a:rPr>
-              <a:t>Most CPU cores Unused</a:t>
-            </a:r>
-            <a:endParaRPr sz="900">
-              <a:latin typeface="Lucida Sans"/>
-              <a:ea typeface="Lucida Sans"/>
-              <a:cs typeface="Lucida Sans"/>
-              <a:sym typeface="Lucida Sans"/>
-            </a:endParaRPr>
-          </a:p>
-        </p:txBody>
-      </p:sp>
-      <p:sp>
-        <p:nvSpPr>
-          <p:cNvPr id="95" name="Google Shape;95;p18"/>
-          <p:cNvSpPr txBox="1"/>
-          <p:nvPr/>
-        </p:nvSpPr>
-        <p:spPr>
-          <a:xfrm>
-            <a:off x="4734125" y="1474525"/>
-            <a:ext cx="3546000" cy="323100"/>
-          </a:xfrm>
-          <a:prstGeom prst="rect">
-            <a:avLst/>
-          </a:prstGeom>
-          <a:noFill/>
-          <a:ln>
-            <a:noFill/>
-          </a:ln>
-        </p:spPr>
-        <p:txBody>
-          <a:bodyPr anchorCtr="0" anchor="b" bIns="91425" lIns="91425" spcFirstLastPara="1" rIns="91425" wrap="square" tIns="91425">
-            <a:spAutoFit/>
-          </a:bodyPr>
-          <a:lstStyle/>
-          <a:p>
-            <a:pPr indent="0" lvl="0" marL="0" rtl="0" algn="l">
-              <a:spcBef>
-                <a:spcPts val="0"/>
-              </a:spcBef>
-              <a:spcAft>
-                <a:spcPts val="0"/>
-              </a:spcAft>
-              <a:buNone/>
-            </a:pPr>
-            <a:r>
-              <a:rPr lang="en" sz="900">
-                <a:latin typeface="Lucida Sans"/>
-                <a:ea typeface="Lucida Sans"/>
-                <a:cs typeface="Lucida Sans"/>
-                <a:sym typeface="Lucida Sans"/>
-              </a:rPr>
-              <a:t>GPU use at 100%, Python Using 8 Gigs of memory</a:t>
-            </a:r>
-            <a:endParaRPr sz="900">
-              <a:latin typeface="Lucida Sans"/>
-              <a:ea typeface="Lucida Sans"/>
-              <a:cs typeface="Lucida Sans"/>
-              <a:sym typeface="Lucida Sans"/>
-            </a:endParaRPr>
-          </a:p>
-        </p:txBody>
-      </p:sp>
     </p:spTree>
   </p:cSld>
   <p:clrMapOvr>
@@ -9128,7 +9094,7 @@
   <p:cSld>
     <p:spTree>
       <p:nvGrpSpPr>
-        <p:cNvPr id="99" name="Shape 99"/>
+        <p:cNvPr id="95" name="Shape 95"/>
         <p:cNvGrpSpPr/>
         <p:nvPr/>
       </p:nvGrpSpPr>
@@ -9142,7 +9108,7 @@
       </p:grpSpPr>
       <p:sp>
         <p:nvSpPr>
-          <p:cNvPr id="100" name="Google Shape;100;p19"/>
+          <p:cNvPr id="96" name="Google Shape;96;p19"/>
           <p:cNvSpPr txBox="1"/>
           <p:nvPr>
             <p:ph idx="12" type="sldNum"/>
@@ -9190,7 +9156,7 @@
       </p:sp>
       <p:sp>
         <p:nvSpPr>
-          <p:cNvPr id="101" name="Google Shape;101;p19"/>
+          <p:cNvPr id="97" name="Google Shape;97;p19"/>
           <p:cNvSpPr txBox="1"/>
           <p:nvPr/>
         </p:nvSpPr>
@@ -9273,7 +9239,7 @@
       </p:sp>
       <p:sp>
         <p:nvSpPr>
-          <p:cNvPr id="102" name="Google Shape;102;p19"/>
+          <p:cNvPr id="98" name="Google Shape;98;p19"/>
           <p:cNvSpPr txBox="1"/>
           <p:nvPr/>
         </p:nvSpPr>
@@ -9315,19 +9281,7 @@
                 <a:cs typeface="Georgia"/>
                 <a:sym typeface="Georgia"/>
               </a:rPr>
-              <a:t>Results: </a:t>
-            </a:r>
-            <a:r>
-              <a:rPr b="1" lang="en" sz="2000">
-                <a:solidFill>
-                  <a:srgbClr val="1A1A1A"/>
-                </a:solidFill>
-                <a:latin typeface="Georgia"/>
-                <a:ea typeface="Georgia"/>
-                <a:cs typeface="Georgia"/>
-                <a:sym typeface="Georgia"/>
-              </a:rPr>
-              <a:t>CPU train time and CPU/GPU use profile</a:t>
+              <a:t>Results: CUDA – GPU train time and CPU/GPU use profile</a:t>
             </a:r>
             <a:endParaRPr b="1" sz="2000">
               <a:latin typeface="Georgia"/>
@@ -9338,16 +9292,99 @@
           </a:p>
         </p:txBody>
       </p:sp>
+      <p:pic>
+        <p:nvPicPr>
+          <p:cNvPr id="99" name="Google Shape;99;p19"/>
+          <p:cNvPicPr preferRelativeResize="0"/>
+          <p:nvPr/>
+        </p:nvPicPr>
+        <p:blipFill rotWithShape="1">
+          <a:blip r:embed="rId3">
+            <a:alphaModFix/>
+          </a:blip>
+          <a:srcRect b="0" l="-480" r="479" t="83807"/>
+          <a:stretch/>
+        </p:blipFill>
+        <p:spPr>
+          <a:xfrm>
+            <a:off x="154575" y="779500"/>
+            <a:ext cx="6708076" cy="584550"/>
+          </a:xfrm>
+          <a:prstGeom prst="rect">
+            <a:avLst/>
+          </a:prstGeom>
+          <a:noFill/>
+          <a:ln>
+            <a:noFill/>
+          </a:ln>
+        </p:spPr>
+      </p:pic>
+      <p:pic>
+        <p:nvPicPr>
+          <p:cNvPr id="100" name="Google Shape;100;p19"/>
+          <p:cNvPicPr preferRelativeResize="0"/>
+          <p:nvPr/>
+        </p:nvPicPr>
+        <p:blipFill>
+          <a:blip r:embed="rId4">
+            <a:alphaModFix/>
+          </a:blip>
+          <a:stretch>
+            <a:fillRect/>
+          </a:stretch>
+        </p:blipFill>
+        <p:spPr>
+          <a:xfrm>
+            <a:off x="0" y="2426350"/>
+            <a:ext cx="4734125" cy="1404975"/>
+          </a:xfrm>
+          <a:prstGeom prst="rect">
+            <a:avLst/>
+          </a:prstGeom>
+          <a:noFill/>
+          <a:ln>
+            <a:noFill/>
+          </a:ln>
+        </p:spPr>
+      </p:pic>
+      <p:pic>
+        <p:nvPicPr>
+          <p:cNvPr id="101" name="Google Shape;101;p19"/>
+          <p:cNvPicPr preferRelativeResize="0"/>
+          <p:nvPr/>
+        </p:nvPicPr>
+        <p:blipFill>
+          <a:blip r:embed="rId5">
+            <a:alphaModFix/>
+          </a:blip>
+          <a:stretch>
+            <a:fillRect/>
+          </a:stretch>
+        </p:blipFill>
+        <p:spPr>
+          <a:xfrm>
+            <a:off x="4734124" y="1797625"/>
+            <a:ext cx="4304950" cy="2801362"/>
+          </a:xfrm>
+          <a:prstGeom prst="rect">
+            <a:avLst/>
+          </a:prstGeom>
+          <a:noFill/>
+          <a:ln>
+            <a:noFill/>
+          </a:ln>
+        </p:spPr>
+      </p:pic>
       <p:sp>
         <p:nvSpPr>
-          <p:cNvPr id="103" name="Google Shape;103;p19"/>
+          <p:cNvPr id="102" name="Google Shape;102;p19"/>
           <p:cNvSpPr txBox="1"/>
           <p:nvPr/>
         </p:nvSpPr>
         <p:spPr>
           <a:xfrm>
             <a:off x="154575" y="456400"/>
-            <a:ext cx="3655800" cy="323100"/>
+            <a:ext cx="3978600" cy="323100"/>
           </a:xfrm>
           <a:prstGeom prst="rect">
             <a:avLst/>
@@ -9379,7 +9416,7 @@
                 <a:cs typeface="Lucida Sans"/>
                 <a:sym typeface="Lucida Sans"/>
               </a:rPr>
-              <a:t>Train time @ 7 hours 13.3 train samples per second</a:t>
+              <a:t>Train time @ 17 minutes 334 train samples per second.</a:t>
             </a:r>
             <a:endParaRPr sz="900">
               <a:latin typeface="Lucida Sans"/>
@@ -9392,13 +9429,13 @@
       </p:sp>
       <p:sp>
         <p:nvSpPr>
-          <p:cNvPr id="104" name="Google Shape;104;p19"/>
+          <p:cNvPr id="103" name="Google Shape;103;p19"/>
           <p:cNvSpPr txBox="1"/>
           <p:nvPr/>
         </p:nvSpPr>
         <p:spPr>
           <a:xfrm>
-            <a:off x="110325" y="2008100"/>
+            <a:off x="82250" y="2043175"/>
             <a:ext cx="2673600" cy="323100"/>
           </a:xfrm>
           <a:prstGeom prst="rect">
@@ -9431,7 +9468,7 @@
                 <a:cs typeface="Lucida Sans"/>
                 <a:sym typeface="Lucida Sans"/>
               </a:rPr>
-              <a:t>Very High CPU Activity</a:t>
+              <a:t>Most CPU cores Unused</a:t>
             </a:r>
             <a:endParaRPr sz="900">
               <a:latin typeface="Lucida Sans"/>
@@ -9444,7 +9481,7 @@
       </p:sp>
       <p:sp>
         <p:nvSpPr>
-          <p:cNvPr id="105" name="Google Shape;105;p19"/>
+          <p:cNvPr id="104" name="Google Shape;104;p19"/>
           <p:cNvSpPr txBox="1"/>
           <p:nvPr/>
         </p:nvSpPr>
@@ -9483,146 +9520,9 @@
                 <a:cs typeface="Lucida Sans"/>
                 <a:sym typeface="Lucida Sans"/>
               </a:rPr>
-              <a:t>GPU use at 5%, Python using no memory.</a:t>
+              <a:t>GPU use at 100%, Python Using 8 Gigs of memory</a:t>
             </a:r>
             <a:endParaRPr sz="900">
-              <a:latin typeface="Lucida Sans"/>
-              <a:ea typeface="Lucida Sans"/>
-              <a:cs typeface="Lucida Sans"/>
-              <a:sym typeface="Lucida Sans"/>
-            </a:endParaRPr>
-          </a:p>
-        </p:txBody>
-      </p:sp>
-      <p:pic>
-        <p:nvPicPr>
-          <p:cNvPr id="106" name="Google Shape;106;p19"/>
-          <p:cNvPicPr preferRelativeResize="0"/>
-          <p:nvPr/>
-        </p:nvPicPr>
-        <p:blipFill rotWithShape="1">
-          <a:blip r:embed="rId3">
-            <a:alphaModFix/>
-          </a:blip>
-          <a:srcRect b="0" l="0" r="0" t="81620"/>
-          <a:stretch/>
-        </p:blipFill>
-        <p:spPr>
-          <a:xfrm>
-            <a:off x="152400" y="779488"/>
-            <a:ext cx="8839200" cy="588225"/>
-          </a:xfrm>
-          <a:prstGeom prst="rect">
-            <a:avLst/>
-          </a:prstGeom>
-          <a:noFill/>
-          <a:ln>
-            <a:noFill/>
-          </a:ln>
-        </p:spPr>
-      </p:pic>
-      <p:pic>
-        <p:nvPicPr>
-          <p:cNvPr id="107" name="Google Shape;107;p19"/>
-          <p:cNvPicPr preferRelativeResize="0"/>
-          <p:nvPr/>
-        </p:nvPicPr>
-        <p:blipFill>
-          <a:blip r:embed="rId4">
-            <a:alphaModFix/>
-          </a:blip>
-          <a:stretch>
-            <a:fillRect/>
-          </a:stretch>
-        </p:blipFill>
-        <p:spPr>
-          <a:xfrm>
-            <a:off x="4757650" y="1751100"/>
-            <a:ext cx="4105075" cy="2615375"/>
-          </a:xfrm>
-          <a:prstGeom prst="rect">
-            <a:avLst/>
-          </a:prstGeom>
-          <a:noFill/>
-          <a:ln>
-            <a:noFill/>
-          </a:ln>
-        </p:spPr>
-      </p:pic>
-      <p:pic>
-        <p:nvPicPr>
-          <p:cNvPr id="108" name="Google Shape;108;p19"/>
-          <p:cNvPicPr preferRelativeResize="0"/>
-          <p:nvPr/>
-        </p:nvPicPr>
-        <p:blipFill>
-          <a:blip r:embed="rId5">
-            <a:alphaModFix/>
-          </a:blip>
-          <a:stretch>
-            <a:fillRect/>
-          </a:stretch>
-        </p:blipFill>
-        <p:spPr>
-          <a:xfrm>
-            <a:off x="82250" y="2366269"/>
-            <a:ext cx="4648325" cy="1438000"/>
-          </a:xfrm>
-          <a:prstGeom prst="rect">
-            <a:avLst/>
-          </a:prstGeom>
-          <a:noFill/>
-          <a:ln>
-            <a:noFill/>
-          </a:ln>
-        </p:spPr>
-      </p:pic>
-      <p:sp>
-        <p:nvSpPr>
-          <p:cNvPr id="109" name="Google Shape;109;p19"/>
-          <p:cNvSpPr txBox="1"/>
-          <p:nvPr/>
-        </p:nvSpPr>
-        <p:spPr>
-          <a:xfrm>
-            <a:off x="185525" y="1474525"/>
-            <a:ext cx="4158000" cy="461700"/>
-          </a:xfrm>
-          <a:prstGeom prst="rect">
-            <a:avLst/>
-          </a:prstGeom>
-          <a:solidFill>
-            <a:srgbClr val="FF9900"/>
-          </a:solidFill>
-          <a:ln>
-            <a:noFill/>
-          </a:ln>
-        </p:spPr>
-        <p:txBody>
-          <a:bodyPr anchorCtr="0" anchor="b" bIns="91425" lIns="91425" spcFirstLastPara="1" rIns="91425" wrap="square" tIns="91425">
-            <a:spAutoFit/>
-          </a:bodyPr>
-          <a:lstStyle/>
-          <a:p>
-            <a:pPr indent="0" lvl="0" marL="0" rtl="0" algn="l">
-              <a:spcBef>
-                <a:spcPts val="0"/>
-              </a:spcBef>
-              <a:spcAft>
-                <a:spcPts val="0"/>
-              </a:spcAft>
-              <a:buNone/>
-            </a:pPr>
-            <a:r>
-              <a:rPr b="1" lang="en" sz="900">
-                <a:latin typeface="Lucida Sans"/>
-                <a:ea typeface="Lucida Sans"/>
-                <a:cs typeface="Lucida Sans"/>
-                <a:sym typeface="Lucida Sans"/>
-              </a:rPr>
-              <a:t>GPU-based training can train the model 24 times in, the amount of time it took the CPU to train the model a single time.</a:t>
-            </a:r>
-            <a:endParaRPr b="1" sz="900">
               <a:latin typeface="Lucida Sans"/>
               <a:ea typeface="Lucida Sans"/>
               <a:cs typeface="Lucida Sans"/>
@@ -9644,7 +9544,7 @@
   <p:cSld>
     <p:spTree>
       <p:nvGrpSpPr>
-        <p:cNvPr id="113" name="Shape 113"/>
+        <p:cNvPr id="108" name="Shape 108"/>
         <p:cNvGrpSpPr/>
         <p:nvPr/>
       </p:nvGrpSpPr>
@@ -9658,7 +9558,7 @@
       </p:grpSpPr>
       <p:sp>
         <p:nvSpPr>
-          <p:cNvPr id="114" name="Google Shape;114;p20"/>
+          <p:cNvPr id="109" name="Google Shape;109;p20"/>
           <p:cNvSpPr txBox="1"/>
           <p:nvPr>
             <p:ph idx="12" type="sldNum"/>
@@ -9706,7 +9606,7 @@
       </p:sp>
       <p:sp>
         <p:nvSpPr>
-          <p:cNvPr id="115" name="Google Shape;115;p20"/>
+          <p:cNvPr id="110" name="Google Shape;110;p20"/>
           <p:cNvSpPr txBox="1"/>
           <p:nvPr/>
         </p:nvSpPr>
@@ -9789,7 +9689,7 @@
       </p:sp>
       <p:sp>
         <p:nvSpPr>
-          <p:cNvPr id="116" name="Google Shape;116;p20"/>
+          <p:cNvPr id="111" name="Google Shape;111;p20"/>
           <p:cNvSpPr txBox="1"/>
           <p:nvPr/>
         </p:nvSpPr>
@@ -9831,7 +9731,19 @@
                 <a:cs typeface="Georgia"/>
                 <a:sym typeface="Georgia"/>
               </a:rPr>
-              <a:t>System Specifications:</a:t>
+              <a:t>Results: </a:t>
+            </a:r>
+            <a:r>
+              <a:rPr b="1" lang="en" sz="2000">
+                <a:solidFill>
+                  <a:srgbClr val="1A1A1A"/>
+                </a:solidFill>
+                <a:latin typeface="Georgia"/>
+                <a:ea typeface="Georgia"/>
+                <a:cs typeface="Georgia"/>
+                <a:sym typeface="Georgia"/>
+              </a:rPr>
+              <a:t>CPU train time and CPU/GPU use profile</a:t>
             </a:r>
             <a:endParaRPr b="1" sz="2000">
               <a:latin typeface="Georgia"/>
@@ -9842,24 +9754,179 @@
           </a:p>
         </p:txBody>
       </p:sp>
+      <p:sp>
+        <p:nvSpPr>
+          <p:cNvPr id="112" name="Google Shape;112;p20"/>
+          <p:cNvSpPr txBox="1"/>
+          <p:nvPr/>
+        </p:nvSpPr>
+        <p:spPr>
+          <a:xfrm>
+            <a:off x="154575" y="456400"/>
+            <a:ext cx="3655800" cy="323100"/>
+          </a:xfrm>
+          <a:prstGeom prst="rect">
+            <a:avLst/>
+          </a:prstGeom>
+          <a:noFill/>
+          <a:ln>
+            <a:noFill/>
+          </a:ln>
+        </p:spPr>
+        <p:txBody>
+          <a:bodyPr anchorCtr="0" anchor="b" bIns="91425" lIns="91425" spcFirstLastPara="1" rIns="91425" wrap="square" tIns="91425">
+            <a:spAutoFit/>
+          </a:bodyPr>
+          <a:lstStyle/>
+          <a:p>
+            <a:pPr indent="0" lvl="0" marL="0" rtl="0" algn="l">
+              <a:spcBef>
+                <a:spcPts val="0"/>
+              </a:spcBef>
+              <a:spcAft>
+                <a:spcPts val="0"/>
+              </a:spcAft>
+              <a:buNone/>
+            </a:pPr>
+            <a:r>
+              <a:rPr lang="en" sz="900">
+                <a:latin typeface="Lucida Sans"/>
+                <a:ea typeface="Lucida Sans"/>
+                <a:cs typeface="Lucida Sans"/>
+                <a:sym typeface="Lucida Sans"/>
+              </a:rPr>
+              <a:t>Train time @ 7 hours 13.3 train samples per second</a:t>
+            </a:r>
+            <a:endParaRPr sz="900">
+              <a:latin typeface="Lucida Sans"/>
+              <a:ea typeface="Lucida Sans"/>
+              <a:cs typeface="Lucida Sans"/>
+              <a:sym typeface="Lucida Sans"/>
+            </a:endParaRPr>
+          </a:p>
+        </p:txBody>
+      </p:sp>
+      <p:sp>
+        <p:nvSpPr>
+          <p:cNvPr id="113" name="Google Shape;113;p20"/>
+          <p:cNvSpPr txBox="1"/>
+          <p:nvPr/>
+        </p:nvSpPr>
+        <p:spPr>
+          <a:xfrm>
+            <a:off x="110325" y="2008100"/>
+            <a:ext cx="2673600" cy="323100"/>
+          </a:xfrm>
+          <a:prstGeom prst="rect">
+            <a:avLst/>
+          </a:prstGeom>
+          <a:noFill/>
+          <a:ln>
+            <a:noFill/>
+          </a:ln>
+        </p:spPr>
+        <p:txBody>
+          <a:bodyPr anchorCtr="0" anchor="b" bIns="91425" lIns="91425" spcFirstLastPara="1" rIns="91425" wrap="square" tIns="91425">
+            <a:spAutoFit/>
+          </a:bodyPr>
+          <a:lstStyle/>
+          <a:p>
+            <a:pPr indent="0" lvl="0" marL="0" rtl="0" algn="l">
+              <a:spcBef>
+                <a:spcPts val="0"/>
+              </a:spcBef>
+              <a:spcAft>
+                <a:spcPts val="0"/>
+              </a:spcAft>
+              <a:buNone/>
+            </a:pPr>
+            <a:r>
+              <a:rPr lang="en" sz="900">
+                <a:latin typeface="Lucida Sans"/>
+                <a:ea typeface="Lucida Sans"/>
+                <a:cs typeface="Lucida Sans"/>
+                <a:sym typeface="Lucida Sans"/>
+              </a:rPr>
+              <a:t>Very High CPU Activity</a:t>
+            </a:r>
+            <a:endParaRPr sz="900">
+              <a:latin typeface="Lucida Sans"/>
+              <a:ea typeface="Lucida Sans"/>
+              <a:cs typeface="Lucida Sans"/>
+              <a:sym typeface="Lucida Sans"/>
+            </a:endParaRPr>
+          </a:p>
+        </p:txBody>
+      </p:sp>
+      <p:sp>
+        <p:nvSpPr>
+          <p:cNvPr id="114" name="Google Shape;114;p20"/>
+          <p:cNvSpPr txBox="1"/>
+          <p:nvPr/>
+        </p:nvSpPr>
+        <p:spPr>
+          <a:xfrm>
+            <a:off x="4734125" y="1474525"/>
+            <a:ext cx="3546000" cy="323100"/>
+          </a:xfrm>
+          <a:prstGeom prst="rect">
+            <a:avLst/>
+          </a:prstGeom>
+          <a:noFill/>
+          <a:ln>
+            <a:noFill/>
+          </a:ln>
+        </p:spPr>
+        <p:txBody>
+          <a:bodyPr anchorCtr="0" anchor="b" bIns="91425" lIns="91425" spcFirstLastPara="1" rIns="91425" wrap="square" tIns="91425">
+            <a:spAutoFit/>
+          </a:bodyPr>
+          <a:lstStyle/>
+          <a:p>
+            <a:pPr indent="0" lvl="0" marL="0" rtl="0" algn="l">
+              <a:spcBef>
+                <a:spcPts val="0"/>
+              </a:spcBef>
+              <a:spcAft>
+                <a:spcPts val="0"/>
+              </a:spcAft>
+              <a:buNone/>
+            </a:pPr>
+            <a:r>
+              <a:rPr lang="en" sz="900">
+                <a:latin typeface="Lucida Sans"/>
+                <a:ea typeface="Lucida Sans"/>
+                <a:cs typeface="Lucida Sans"/>
+                <a:sym typeface="Lucida Sans"/>
+              </a:rPr>
+              <a:t>GPU use at 5%, Python using no memory.</a:t>
+            </a:r>
+            <a:endParaRPr sz="900">
+              <a:latin typeface="Lucida Sans"/>
+              <a:ea typeface="Lucida Sans"/>
+              <a:cs typeface="Lucida Sans"/>
+              <a:sym typeface="Lucida Sans"/>
+            </a:endParaRPr>
+          </a:p>
+        </p:txBody>
+      </p:sp>
       <p:pic>
         <p:nvPicPr>
-          <p:cNvPr id="117" name="Google Shape;117;p20"/>
+          <p:cNvPr id="115" name="Google Shape;115;p20"/>
           <p:cNvPicPr preferRelativeResize="0"/>
           <p:nvPr/>
         </p:nvPicPr>
-        <p:blipFill>
+        <p:blipFill rotWithShape="1">
           <a:blip r:embed="rId3">
             <a:alphaModFix/>
           </a:blip>
-          <a:stretch>
-            <a:fillRect/>
-          </a:stretch>
+          <a:srcRect b="0" l="0" r="0" t="81620"/>
+          <a:stretch/>
         </p:blipFill>
         <p:spPr>
           <a:xfrm>
-            <a:off x="283225" y="1507175"/>
-            <a:ext cx="3636825" cy="2794300"/>
+            <a:off x="152400" y="779488"/>
+            <a:ext cx="8839200" cy="588225"/>
           </a:xfrm>
           <a:prstGeom prst="rect">
             <a:avLst/>
@@ -9872,7 +9939,7 @@
       </p:pic>
       <p:pic>
         <p:nvPicPr>
-          <p:cNvPr id="118" name="Google Shape;118;p20"/>
+          <p:cNvPr id="116" name="Google Shape;116;p20"/>
           <p:cNvPicPr preferRelativeResize="0"/>
           <p:nvPr/>
         </p:nvPicPr>
@@ -9886,8 +9953,36 @@
         </p:blipFill>
         <p:spPr>
           <a:xfrm>
-            <a:off x="3920050" y="1627438"/>
-            <a:ext cx="4636725" cy="2080914"/>
+            <a:off x="4757650" y="1751100"/>
+            <a:ext cx="4105075" cy="2615375"/>
+          </a:xfrm>
+          <a:prstGeom prst="rect">
+            <a:avLst/>
+          </a:prstGeom>
+          <a:noFill/>
+          <a:ln>
+            <a:noFill/>
+          </a:ln>
+        </p:spPr>
+      </p:pic>
+      <p:pic>
+        <p:nvPicPr>
+          <p:cNvPr id="117" name="Google Shape;117;p20"/>
+          <p:cNvPicPr preferRelativeResize="0"/>
+          <p:nvPr/>
+        </p:nvPicPr>
+        <p:blipFill>
+          <a:blip r:embed="rId5">
+            <a:alphaModFix/>
+          </a:blip>
+          <a:stretch>
+            <a:fillRect/>
+          </a:stretch>
+        </p:blipFill>
+        <p:spPr>
+          <a:xfrm>
+            <a:off x="82250" y="2366269"/>
+            <a:ext cx="4648325" cy="1438000"/>
           </a:xfrm>
           <a:prstGeom prst="rect">
             <a:avLst/>
@@ -9900,25 +9995,27 @@
       </p:pic>
       <p:sp>
         <p:nvSpPr>
-          <p:cNvPr id="119" name="Google Shape;119;p20"/>
+          <p:cNvPr id="118" name="Google Shape;118;p20"/>
           <p:cNvSpPr txBox="1"/>
           <p:nvPr/>
         </p:nvSpPr>
         <p:spPr>
           <a:xfrm>
-            <a:off x="341825" y="536938"/>
-            <a:ext cx="8322300" cy="1108200"/>
+            <a:off x="185525" y="1474525"/>
+            <a:ext cx="4158000" cy="461700"/>
           </a:xfrm>
           <a:prstGeom prst="rect">
             <a:avLst/>
           </a:prstGeom>
-          <a:noFill/>
+          <a:solidFill>
+            <a:srgbClr val="FF9900"/>
+          </a:solidFill>
           <a:ln>
             <a:noFill/>
           </a:ln>
         </p:spPr>
         <p:txBody>
-          <a:bodyPr anchorCtr="0" anchor="t" bIns="91425" lIns="91425" spcFirstLastPara="1" rIns="91425" wrap="square" tIns="91425">
+          <a:bodyPr anchorCtr="0" anchor="b" bIns="91425" lIns="91425" spcFirstLastPara="1" rIns="91425" wrap="square" tIns="91425">
             <a:spAutoFit/>
           </a:bodyPr>
           <a:lstStyle/>
@@ -9933,15 +10030,15 @@
               <a:buNone/>
             </a:pPr>
             <a:r>
-              <a:rPr lang="en" sz="1200">
+              <a:rPr b="1" lang="en" sz="900">
                 <a:latin typeface="Lucida Sans"/>
                 <a:ea typeface="Lucida Sans"/>
                 <a:cs typeface="Lucida Sans"/>
                 <a:sym typeface="Lucida Sans"/>
               </a:rPr>
-              <a:t>The system is good, but not ultra high-end.  I parted this system together to avoid having to use my MAC M1 given the complications associated with getting packages to run on the M1 architecture.  For servers, Linux, the x64 architecture, and the NVIDIA cuda frameworks are widely used.  I still use my M1 to terminal into this machine while travelling.  It’s an uncomplicated way of doing development since many of the packages just work.  Also, getting R Studio distributions to work well on an M1 machine can be quite a headache.</a:t>
+              <a:t>GPU-based training can train the model 24 times in, the amount of time it took the CPU to train the model a single time.</a:t>
             </a:r>
-            <a:endParaRPr sz="1200">
+            <a:endParaRPr b="1" sz="900">
               <a:latin typeface="Lucida Sans"/>
               <a:ea typeface="Lucida Sans"/>
               <a:cs typeface="Lucida Sans"/>
@@ -9963,7 +10060,7 @@
   <p:cSld>
     <p:spTree>
       <p:nvGrpSpPr>
-        <p:cNvPr id="123" name="Shape 123"/>
+        <p:cNvPr id="122" name="Shape 122"/>
         <p:cNvGrpSpPr/>
         <p:nvPr/>
       </p:nvGrpSpPr>
@@ -9977,7 +10074,7 @@
       </p:grpSpPr>
       <p:sp>
         <p:nvSpPr>
-          <p:cNvPr id="124" name="Google Shape;124;p21"/>
+          <p:cNvPr id="123" name="Google Shape;123;p21"/>
           <p:cNvSpPr txBox="1"/>
           <p:nvPr>
             <p:ph idx="12" type="sldNum"/>
@@ -10025,7 +10122,7 @@
       </p:sp>
       <p:sp>
         <p:nvSpPr>
-          <p:cNvPr id="125" name="Google Shape;125;p21"/>
+          <p:cNvPr id="124" name="Google Shape;124;p21"/>
           <p:cNvSpPr txBox="1"/>
           <p:nvPr/>
         </p:nvSpPr>
@@ -10108,13 +10205,13 @@
       </p:sp>
       <p:sp>
         <p:nvSpPr>
-          <p:cNvPr id="126" name="Google Shape;126;p21"/>
+          <p:cNvPr id="125" name="Google Shape;125;p21"/>
           <p:cNvSpPr txBox="1"/>
           <p:nvPr/>
         </p:nvSpPr>
         <p:spPr>
           <a:xfrm>
-            <a:off x="311542" y="202225"/>
+            <a:off x="341817" y="202225"/>
             <a:ext cx="8520900" cy="303900"/>
           </a:xfrm>
           <a:prstGeom prst="rect">
@@ -10150,19 +10247,7 @@
                 <a:cs typeface="Georgia"/>
                 <a:sym typeface="Georgia"/>
               </a:rPr>
-              <a:t>Getting it to work</a:t>
-            </a:r>
-            <a:r>
-              <a:rPr b="1" lang="en" sz="2000">
-                <a:solidFill>
-                  <a:srgbClr val="1A1A1A"/>
-                </a:solidFill>
-                <a:latin typeface="Georgia"/>
-                <a:ea typeface="Georgia"/>
-                <a:cs typeface="Georgia"/>
-                <a:sym typeface="Georgia"/>
-              </a:rPr>
-              <a:t>:  Be prepared to spend some hours on this.</a:t>
+              <a:t>System Specifications:</a:t>
             </a:r>
             <a:endParaRPr b="1" sz="2000">
               <a:latin typeface="Georgia"/>
@@ -10173,16 +10258,72 @@
           </a:p>
         </p:txBody>
       </p:sp>
+      <p:pic>
+        <p:nvPicPr>
+          <p:cNvPr id="126" name="Google Shape;126;p21"/>
+          <p:cNvPicPr preferRelativeResize="0"/>
+          <p:nvPr/>
+        </p:nvPicPr>
+        <p:blipFill>
+          <a:blip r:embed="rId3">
+            <a:alphaModFix/>
+          </a:blip>
+          <a:stretch>
+            <a:fillRect/>
+          </a:stretch>
+        </p:blipFill>
+        <p:spPr>
+          <a:xfrm>
+            <a:off x="283225" y="1507175"/>
+            <a:ext cx="3636825" cy="2794300"/>
+          </a:xfrm>
+          <a:prstGeom prst="rect">
+            <a:avLst/>
+          </a:prstGeom>
+          <a:noFill/>
+          <a:ln>
+            <a:noFill/>
+          </a:ln>
+        </p:spPr>
+      </p:pic>
+      <p:pic>
+        <p:nvPicPr>
+          <p:cNvPr id="127" name="Google Shape;127;p21"/>
+          <p:cNvPicPr preferRelativeResize="0"/>
+          <p:nvPr/>
+        </p:nvPicPr>
+        <p:blipFill>
+          <a:blip r:embed="rId4">
+            <a:alphaModFix/>
+          </a:blip>
+          <a:stretch>
+            <a:fillRect/>
+          </a:stretch>
+        </p:blipFill>
+        <p:spPr>
+          <a:xfrm>
+            <a:off x="3920050" y="1627438"/>
+            <a:ext cx="4636725" cy="2080914"/>
+          </a:xfrm>
+          <a:prstGeom prst="rect">
+            <a:avLst/>
+          </a:prstGeom>
+          <a:noFill/>
+          <a:ln>
+            <a:noFill/>
+          </a:ln>
+        </p:spPr>
+      </p:pic>
       <p:sp>
         <p:nvSpPr>
-          <p:cNvPr id="127" name="Google Shape;127;p21"/>
+          <p:cNvPr id="128" name="Google Shape;128;p21"/>
           <p:cNvSpPr txBox="1"/>
           <p:nvPr/>
         </p:nvSpPr>
         <p:spPr>
           <a:xfrm>
-            <a:off x="428050" y="540950"/>
-            <a:ext cx="8202900" cy="1431600"/>
+            <a:off x="341825" y="536938"/>
+            <a:ext cx="8322300" cy="1108200"/>
           </a:xfrm>
           <a:prstGeom prst="rect">
             <a:avLst/>
@@ -10198,200 +10339,25 @@
           </a:bodyPr>
           <a:lstStyle/>
           <a:p>
-            <a:pPr indent="-285750" lvl="0" marL="457200" rtl="0" algn="l">
-              <a:spcBef>
-                <a:spcPts val="0"/>
-              </a:spcBef>
-              <a:spcAft>
-                <a:spcPts val="0"/>
-              </a:spcAft>
-              <a:buSzPts val="900"/>
-              <a:buFont typeface="Lucida Sans"/>
-              <a:buAutoNum type="arabicPeriod"/>
+            <a:pPr indent="0" lvl="0" marL="0" rtl="0" algn="l">
+              <a:spcBef>
+                <a:spcPts val="0"/>
+              </a:spcBef>
+              <a:spcAft>
+                <a:spcPts val="0"/>
+              </a:spcAft>
+              <a:buNone/>
             </a:pPr>
             <a:r>
-              <a:rPr lang="en" sz="900">
+              <a:rPr lang="en" sz="1200">
                 <a:latin typeface="Lucida Sans"/>
                 <a:ea typeface="Lucida Sans"/>
                 <a:cs typeface="Lucida Sans"/>
                 <a:sym typeface="Lucida Sans"/>
               </a:rPr>
-              <a:t>Have an NVIDIA graphics card or device which is compatible with NVIDIA’s CUDA package.</a:t>
+              <a:t>The system is good, but not ultra high-end.  I parted this system together to avoid having to use my MAC M1 given the complications associated with getting packages to run on the M1 architecture.  For servers, Linux, the x64 architecture, and the NVIDIA cuda frameworks are widely used.  I still use my M1 to terminal into this machine while travelling.  It’s an uncomplicated way of doing development since many of the packages just work.  Also, getting R Studio distributions to work well on an M1 machine can be quite a headache.</a:t>
             </a:r>
-            <a:endParaRPr sz="900">
-              <a:latin typeface="Lucida Sans"/>
-              <a:ea typeface="Lucida Sans"/>
-              <a:cs typeface="Lucida Sans"/>
-              <a:sym typeface="Lucida Sans"/>
-            </a:endParaRPr>
-          </a:p>
-          <a:p>
-            <a:pPr indent="-285750" lvl="0" marL="457200" rtl="0" algn="l">
-              <a:spcBef>
-                <a:spcPts val="0"/>
-              </a:spcBef>
-              <a:spcAft>
-                <a:spcPts val="0"/>
-              </a:spcAft>
-              <a:buSzPts val="900"/>
-              <a:buFont typeface="Lucida Sans"/>
-              <a:buAutoNum type="arabicPeriod"/>
-            </a:pPr>
-            <a:r>
-              <a:rPr lang="en" sz="900">
-                <a:latin typeface="Lucida Sans"/>
-                <a:ea typeface="Lucida Sans"/>
-                <a:cs typeface="Lucida Sans"/>
-                <a:sym typeface="Lucida Sans"/>
-              </a:rPr>
-              <a:t>Install NVIDA drivers.</a:t>
-            </a:r>
-            <a:endParaRPr sz="900">
-              <a:latin typeface="Lucida Sans"/>
-              <a:ea typeface="Lucida Sans"/>
-              <a:cs typeface="Lucida Sans"/>
-              <a:sym typeface="Lucida Sans"/>
-            </a:endParaRPr>
-          </a:p>
-          <a:p>
-            <a:pPr indent="-285750" lvl="0" marL="457200" rtl="0" algn="l">
-              <a:spcBef>
-                <a:spcPts val="0"/>
-              </a:spcBef>
-              <a:spcAft>
-                <a:spcPts val="0"/>
-              </a:spcAft>
-              <a:buSzPts val="900"/>
-              <a:buFont typeface="Lucida Sans"/>
-              <a:buAutoNum type="arabicPeriod"/>
-            </a:pPr>
-            <a:r>
-              <a:rPr lang="en" sz="900">
-                <a:latin typeface="Lucida Sans"/>
-                <a:ea typeface="Lucida Sans"/>
-                <a:cs typeface="Lucida Sans"/>
-                <a:sym typeface="Lucida Sans"/>
-              </a:rPr>
-              <a:t>Install the CUDA packages / tools.</a:t>
-            </a:r>
-            <a:endParaRPr sz="900">
-              <a:latin typeface="Lucida Sans"/>
-              <a:ea typeface="Lucida Sans"/>
-              <a:cs typeface="Lucida Sans"/>
-              <a:sym typeface="Lucida Sans"/>
-            </a:endParaRPr>
-          </a:p>
-          <a:p>
-            <a:pPr indent="-285750" lvl="0" marL="457200" rtl="0" algn="l">
-              <a:spcBef>
-                <a:spcPts val="0"/>
-              </a:spcBef>
-              <a:spcAft>
-                <a:spcPts val="0"/>
-              </a:spcAft>
-              <a:buSzPts val="900"/>
-              <a:buFont typeface="Lucida Sans"/>
-              <a:buAutoNum type="arabicPeriod"/>
-            </a:pPr>
-            <a:r>
-              <a:rPr lang="en" sz="900">
-                <a:latin typeface="Lucida Sans"/>
-                <a:ea typeface="Lucida Sans"/>
-                <a:cs typeface="Lucida Sans"/>
-                <a:sym typeface="Lucida Sans"/>
-              </a:rPr>
-              <a:t>Test that pytorch can “see” the graphics card and do its work on it:</a:t>
-            </a:r>
-            <a:br>
-              <a:rPr lang="en" sz="900">
-                <a:latin typeface="Lucida Sans"/>
-                <a:ea typeface="Lucida Sans"/>
-                <a:cs typeface="Lucida Sans"/>
-                <a:sym typeface="Lucida Sans"/>
-              </a:rPr>
-            </a:br>
-            <a:r>
-              <a:rPr lang="en" sz="900">
-                <a:latin typeface="Lucida Sans"/>
-                <a:ea typeface="Lucida Sans"/>
-                <a:cs typeface="Lucida Sans"/>
-                <a:sym typeface="Lucida Sans"/>
-              </a:rPr>
-              <a:t>git clone https://github.com/tuneman7/cuda_work  &amp;&amp; . ./cuda_work/test_python_cuda.sh</a:t>
-            </a:r>
-            <a:br>
-              <a:rPr lang="en" sz="900">
-                <a:latin typeface="Lucida Sans"/>
-                <a:ea typeface="Lucida Sans"/>
-                <a:cs typeface="Lucida Sans"/>
-                <a:sym typeface="Lucida Sans"/>
-              </a:rPr>
-            </a:br>
-            <a:endParaRPr sz="900">
-              <a:latin typeface="Lucida Sans"/>
-              <a:ea typeface="Lucida Sans"/>
-              <a:cs typeface="Lucida Sans"/>
-              <a:sym typeface="Lucida Sans"/>
-            </a:endParaRPr>
-          </a:p>
-          <a:p>
-            <a:pPr indent="0" lvl="0" marL="0" rtl="0" algn="l">
-              <a:spcBef>
-                <a:spcPts val="0"/>
-              </a:spcBef>
-              <a:spcAft>
-                <a:spcPts val="0"/>
-              </a:spcAft>
-              <a:buNone/>
-            </a:pPr>
-            <a:r>
-              <a:rPr lang="en" sz="900">
-                <a:latin typeface="Lucida Sans"/>
-                <a:ea typeface="Lucida Sans"/>
-                <a:cs typeface="Lucida Sans"/>
-                <a:sym typeface="Lucida Sans"/>
-              </a:rPr>
-              <a:t>Some resources on this:</a:t>
-            </a:r>
-            <a:br>
-              <a:rPr lang="en" sz="900">
-                <a:latin typeface="Lucida Sans"/>
-                <a:ea typeface="Lucida Sans"/>
-                <a:cs typeface="Lucida Sans"/>
-                <a:sym typeface="Lucida Sans"/>
-              </a:rPr>
-            </a:br>
-            <a:r>
-              <a:rPr lang="en" sz="900" u="sng">
-                <a:solidFill>
-                  <a:schemeClr val="hlink"/>
-                </a:solidFill>
-                <a:latin typeface="Lucida Sans"/>
-                <a:ea typeface="Lucida Sans"/>
-                <a:cs typeface="Lucida Sans"/>
-                <a:sym typeface="Lucida Sans"/>
-                <a:hlinkClick r:id="rId3"/>
-              </a:rPr>
-              <a:t>https://tuneman7.github.io/cuda_notes.html</a:t>
-            </a:r>
-            <a:br>
-              <a:rPr lang="en" sz="900">
-                <a:latin typeface="Lucida Sans"/>
-                <a:ea typeface="Lucida Sans"/>
-                <a:cs typeface="Lucida Sans"/>
-                <a:sym typeface="Lucida Sans"/>
-              </a:rPr>
-            </a:br>
-            <a:r>
-              <a:rPr lang="en" sz="900">
-                <a:latin typeface="Lucida Sans"/>
-                <a:ea typeface="Lucida Sans"/>
-                <a:cs typeface="Lucida Sans"/>
-                <a:sym typeface="Lucida Sans"/>
-              </a:rPr>
-              <a:t>We are also able to access the GPU from within docker images, but that is beyond the scope of this demonstration.</a:t>
-            </a:r>
-            <a:endParaRPr sz="900">
+            <a:endParaRPr sz="1200">
               <a:latin typeface="Lucida Sans"/>
               <a:ea typeface="Lucida Sans"/>
               <a:cs typeface="Lucida Sans"/>
@@ -10400,34 +10366,6 @@
           </a:p>
         </p:txBody>
       </p:sp>
-      <p:pic>
-        <p:nvPicPr>
-          <p:cNvPr id="128" name="Google Shape;128;p21"/>
-          <p:cNvPicPr preferRelativeResize="0"/>
-          <p:nvPr/>
-        </p:nvPicPr>
-        <p:blipFill>
-          <a:blip r:embed="rId4">
-            <a:alphaModFix/>
-          </a:blip>
-          <a:stretch>
-            <a:fillRect/>
-          </a:stretch>
-        </p:blipFill>
-        <p:spPr>
-          <a:xfrm>
-            <a:off x="1921150" y="2064800"/>
-            <a:ext cx="4050350" cy="2323350"/>
-          </a:xfrm>
-          <a:prstGeom prst="rect">
-            <a:avLst/>
-          </a:prstGeom>
-          <a:noFill/>
-          <a:ln>
-            <a:noFill/>
-          </a:ln>
-        </p:spPr>
-      </p:pic>
     </p:spTree>
   </p:cSld>
   <p:clrMapOvr>
@@ -10628,6 +10566,484 @@
                 <a:cs typeface="Georgia"/>
                 <a:sym typeface="Georgia"/>
               </a:rPr>
+              <a:t>Getting it to work</a:t>
+            </a:r>
+            <a:r>
+              <a:rPr b="1" lang="en" sz="2000">
+                <a:solidFill>
+                  <a:srgbClr val="1A1A1A"/>
+                </a:solidFill>
+                <a:latin typeface="Georgia"/>
+                <a:ea typeface="Georgia"/>
+                <a:cs typeface="Georgia"/>
+                <a:sym typeface="Georgia"/>
+              </a:rPr>
+              <a:t>:  Be prepared to spend some hours on this.</a:t>
+            </a:r>
+            <a:endParaRPr b="1" sz="2000">
+              <a:latin typeface="Georgia"/>
+              <a:ea typeface="Georgia"/>
+              <a:cs typeface="Georgia"/>
+              <a:sym typeface="Georgia"/>
+            </a:endParaRPr>
+          </a:p>
+        </p:txBody>
+      </p:sp>
+      <p:sp>
+        <p:nvSpPr>
+          <p:cNvPr id="136" name="Google Shape;136;p22"/>
+          <p:cNvSpPr txBox="1"/>
+          <p:nvPr/>
+        </p:nvSpPr>
+        <p:spPr>
+          <a:xfrm>
+            <a:off x="428050" y="540950"/>
+            <a:ext cx="8202900" cy="1431600"/>
+          </a:xfrm>
+          <a:prstGeom prst="rect">
+            <a:avLst/>
+          </a:prstGeom>
+          <a:noFill/>
+          <a:ln>
+            <a:noFill/>
+          </a:ln>
+        </p:spPr>
+        <p:txBody>
+          <a:bodyPr anchorCtr="0" anchor="t" bIns="91425" lIns="91425" spcFirstLastPara="1" rIns="91425" wrap="square" tIns="91425">
+            <a:spAutoFit/>
+          </a:bodyPr>
+          <a:lstStyle/>
+          <a:p>
+            <a:pPr indent="-285750" lvl="0" marL="457200" rtl="0" algn="l">
+              <a:spcBef>
+                <a:spcPts val="0"/>
+              </a:spcBef>
+              <a:spcAft>
+                <a:spcPts val="0"/>
+              </a:spcAft>
+              <a:buSzPts val="900"/>
+              <a:buFont typeface="Lucida Sans"/>
+              <a:buAutoNum type="arabicPeriod"/>
+            </a:pPr>
+            <a:r>
+              <a:rPr lang="en" sz="900">
+                <a:latin typeface="Lucida Sans"/>
+                <a:ea typeface="Lucida Sans"/>
+                <a:cs typeface="Lucida Sans"/>
+                <a:sym typeface="Lucida Sans"/>
+              </a:rPr>
+              <a:t>Have an NVIDIA graphics card or device which is compatible with NVIDIA’s CUDA package.</a:t>
+            </a:r>
+            <a:endParaRPr sz="900">
+              <a:latin typeface="Lucida Sans"/>
+              <a:ea typeface="Lucida Sans"/>
+              <a:cs typeface="Lucida Sans"/>
+              <a:sym typeface="Lucida Sans"/>
+            </a:endParaRPr>
+          </a:p>
+          <a:p>
+            <a:pPr indent="-285750" lvl="0" marL="457200" rtl="0" algn="l">
+              <a:spcBef>
+                <a:spcPts val="0"/>
+              </a:spcBef>
+              <a:spcAft>
+                <a:spcPts val="0"/>
+              </a:spcAft>
+              <a:buSzPts val="900"/>
+              <a:buFont typeface="Lucida Sans"/>
+              <a:buAutoNum type="arabicPeriod"/>
+            </a:pPr>
+            <a:r>
+              <a:rPr lang="en" sz="900">
+                <a:latin typeface="Lucida Sans"/>
+                <a:ea typeface="Lucida Sans"/>
+                <a:cs typeface="Lucida Sans"/>
+                <a:sym typeface="Lucida Sans"/>
+              </a:rPr>
+              <a:t>Install NVIDA drivers.</a:t>
+            </a:r>
+            <a:endParaRPr sz="900">
+              <a:latin typeface="Lucida Sans"/>
+              <a:ea typeface="Lucida Sans"/>
+              <a:cs typeface="Lucida Sans"/>
+              <a:sym typeface="Lucida Sans"/>
+            </a:endParaRPr>
+          </a:p>
+          <a:p>
+            <a:pPr indent="-285750" lvl="0" marL="457200" rtl="0" algn="l">
+              <a:spcBef>
+                <a:spcPts val="0"/>
+              </a:spcBef>
+              <a:spcAft>
+                <a:spcPts val="0"/>
+              </a:spcAft>
+              <a:buSzPts val="900"/>
+              <a:buFont typeface="Lucida Sans"/>
+              <a:buAutoNum type="arabicPeriod"/>
+            </a:pPr>
+            <a:r>
+              <a:rPr lang="en" sz="900">
+                <a:latin typeface="Lucida Sans"/>
+                <a:ea typeface="Lucida Sans"/>
+                <a:cs typeface="Lucida Sans"/>
+                <a:sym typeface="Lucida Sans"/>
+              </a:rPr>
+              <a:t>Install the CUDA packages / tools.</a:t>
+            </a:r>
+            <a:endParaRPr sz="900">
+              <a:latin typeface="Lucida Sans"/>
+              <a:ea typeface="Lucida Sans"/>
+              <a:cs typeface="Lucida Sans"/>
+              <a:sym typeface="Lucida Sans"/>
+            </a:endParaRPr>
+          </a:p>
+          <a:p>
+            <a:pPr indent="-285750" lvl="0" marL="457200" rtl="0" algn="l">
+              <a:spcBef>
+                <a:spcPts val="0"/>
+              </a:spcBef>
+              <a:spcAft>
+                <a:spcPts val="0"/>
+              </a:spcAft>
+              <a:buSzPts val="900"/>
+              <a:buFont typeface="Lucida Sans"/>
+              <a:buAutoNum type="arabicPeriod"/>
+            </a:pPr>
+            <a:r>
+              <a:rPr lang="en" sz="900">
+                <a:latin typeface="Lucida Sans"/>
+                <a:ea typeface="Lucida Sans"/>
+                <a:cs typeface="Lucida Sans"/>
+                <a:sym typeface="Lucida Sans"/>
+              </a:rPr>
+              <a:t>Test that pytorch can “see” the graphics card and do its work on it:</a:t>
+            </a:r>
+            <a:br>
+              <a:rPr lang="en" sz="900">
+                <a:latin typeface="Lucida Sans"/>
+                <a:ea typeface="Lucida Sans"/>
+                <a:cs typeface="Lucida Sans"/>
+                <a:sym typeface="Lucida Sans"/>
+              </a:rPr>
+            </a:br>
+            <a:r>
+              <a:rPr lang="en" sz="900">
+                <a:latin typeface="Lucida Sans"/>
+                <a:ea typeface="Lucida Sans"/>
+                <a:cs typeface="Lucida Sans"/>
+                <a:sym typeface="Lucida Sans"/>
+              </a:rPr>
+              <a:t>git clone https://github.com/tuneman7/cuda_work  &amp;&amp; . ./cuda_work/test_python_cuda.sh</a:t>
+            </a:r>
+            <a:br>
+              <a:rPr lang="en" sz="900">
+                <a:latin typeface="Lucida Sans"/>
+                <a:ea typeface="Lucida Sans"/>
+                <a:cs typeface="Lucida Sans"/>
+                <a:sym typeface="Lucida Sans"/>
+              </a:rPr>
+            </a:br>
+            <a:endParaRPr sz="900">
+              <a:latin typeface="Lucida Sans"/>
+              <a:ea typeface="Lucida Sans"/>
+              <a:cs typeface="Lucida Sans"/>
+              <a:sym typeface="Lucida Sans"/>
+            </a:endParaRPr>
+          </a:p>
+          <a:p>
+            <a:pPr indent="0" lvl="0" marL="0" rtl="0" algn="l">
+              <a:spcBef>
+                <a:spcPts val="0"/>
+              </a:spcBef>
+              <a:spcAft>
+                <a:spcPts val="0"/>
+              </a:spcAft>
+              <a:buNone/>
+            </a:pPr>
+            <a:r>
+              <a:rPr lang="en" sz="900">
+                <a:latin typeface="Lucida Sans"/>
+                <a:ea typeface="Lucida Sans"/>
+                <a:cs typeface="Lucida Sans"/>
+                <a:sym typeface="Lucida Sans"/>
+              </a:rPr>
+              <a:t>Some resources on this:</a:t>
+            </a:r>
+            <a:br>
+              <a:rPr lang="en" sz="900">
+                <a:latin typeface="Lucida Sans"/>
+                <a:ea typeface="Lucida Sans"/>
+                <a:cs typeface="Lucida Sans"/>
+                <a:sym typeface="Lucida Sans"/>
+              </a:rPr>
+            </a:br>
+            <a:r>
+              <a:rPr lang="en" sz="900" u="sng">
+                <a:solidFill>
+                  <a:schemeClr val="hlink"/>
+                </a:solidFill>
+                <a:latin typeface="Lucida Sans"/>
+                <a:ea typeface="Lucida Sans"/>
+                <a:cs typeface="Lucida Sans"/>
+                <a:sym typeface="Lucida Sans"/>
+                <a:hlinkClick r:id="rId3"/>
+              </a:rPr>
+              <a:t>https://tuneman7.github.io/cuda_notes.html</a:t>
+            </a:r>
+            <a:br>
+              <a:rPr lang="en" sz="900">
+                <a:latin typeface="Lucida Sans"/>
+                <a:ea typeface="Lucida Sans"/>
+                <a:cs typeface="Lucida Sans"/>
+                <a:sym typeface="Lucida Sans"/>
+              </a:rPr>
+            </a:br>
+            <a:r>
+              <a:rPr lang="en" sz="900">
+                <a:latin typeface="Lucida Sans"/>
+                <a:ea typeface="Lucida Sans"/>
+                <a:cs typeface="Lucida Sans"/>
+                <a:sym typeface="Lucida Sans"/>
+              </a:rPr>
+              <a:t>We are also able to access the GPU from within docker images, but that is beyond the scope of this demonstration.</a:t>
+            </a:r>
+            <a:endParaRPr sz="900">
+              <a:latin typeface="Lucida Sans"/>
+              <a:ea typeface="Lucida Sans"/>
+              <a:cs typeface="Lucida Sans"/>
+              <a:sym typeface="Lucida Sans"/>
+            </a:endParaRPr>
+          </a:p>
+        </p:txBody>
+      </p:sp>
+      <p:pic>
+        <p:nvPicPr>
+          <p:cNvPr id="137" name="Google Shape;137;p22"/>
+          <p:cNvPicPr preferRelativeResize="0"/>
+          <p:nvPr/>
+        </p:nvPicPr>
+        <p:blipFill>
+          <a:blip r:embed="rId4">
+            <a:alphaModFix/>
+          </a:blip>
+          <a:stretch>
+            <a:fillRect/>
+          </a:stretch>
+        </p:blipFill>
+        <p:spPr>
+          <a:xfrm>
+            <a:off x="1921150" y="2064800"/>
+            <a:ext cx="4050350" cy="2323350"/>
+          </a:xfrm>
+          <a:prstGeom prst="rect">
+            <a:avLst/>
+          </a:prstGeom>
+          <a:noFill/>
+          <a:ln>
+            <a:noFill/>
+          </a:ln>
+        </p:spPr>
+      </p:pic>
+    </p:spTree>
+  </p:cSld>
+  <p:clrMapOvr>
+    <a:masterClrMapping/>
+  </p:clrMapOvr>
+</p:sld>
+</file>
+
+<file path=ppt/slides/slide8.xml><?xml version="1.0" encoding="utf-8"?>
+<p:sld xmlns:a="http://schemas.openxmlformats.org/drawingml/2006/main" xmlns:r="http://schemas.openxmlformats.org/officeDocument/2006/relationships" xmlns:mc="http://schemas.openxmlformats.org/markup-compatibility/2006" xmlns:mv="urn:schemas-microsoft-com:mac:vml" xmlns:p="http://schemas.openxmlformats.org/presentationml/2006/main" xmlns:c="http://schemas.openxmlformats.org/drawingml/2006/chart" xmlns:dgm="http://schemas.openxmlformats.org/drawingml/2006/diagram" xmlns:o="urn:schemas-microsoft-com:office:office" xmlns:v="urn:schemas-microsoft-com:vml" xmlns:pvml="urn:schemas-microsoft-com:office:powerpoint" xmlns:com="http://schemas.openxmlformats.org/drawingml/2006/compatibility" xmlns:p14="http://schemas.microsoft.com/office/powerpoint/2010/main" xmlns:p15="http://schemas.microsoft.com/office/powerpoint/2012/main" xmlns:ahyp="http://schemas.microsoft.com/office/drawing/2018/hyperlinkcolor">
+  <p:cSld>
+    <p:spTree>
+      <p:nvGrpSpPr>
+        <p:cNvPr id="141" name="Shape 141"/>
+        <p:cNvGrpSpPr/>
+        <p:nvPr/>
+      </p:nvGrpSpPr>
+      <p:grpSpPr>
+        <a:xfrm>
+          <a:off x="0" y="0"/>
+          <a:ext cx="0" cy="0"/>
+          <a:chOff x="0" y="0"/>
+          <a:chExt cx="0" cy="0"/>
+        </a:xfrm>
+      </p:grpSpPr>
+      <p:sp>
+        <p:nvSpPr>
+          <p:cNvPr id="142" name="Google Shape;142;p23"/>
+          <p:cNvSpPr txBox="1"/>
+          <p:nvPr>
+            <p:ph idx="12" type="sldNum"/>
+          </p:nvPr>
+        </p:nvSpPr>
+        <p:spPr>
+          <a:xfrm>
+            <a:off x="8556784" y="4749851"/>
+            <a:ext cx="548700" cy="393600"/>
+          </a:xfrm>
+          <a:prstGeom prst="rect">
+            <a:avLst/>
+          </a:prstGeom>
+        </p:spPr>
+        <p:txBody>
+          <a:bodyPr anchorCtr="0" anchor="t" bIns="91425" lIns="91425" spcFirstLastPara="1" rIns="91425" wrap="square" tIns="91425">
+            <a:noAutofit/>
+          </a:bodyPr>
+          <a:lstStyle/>
+          <a:p>
+            <a:pPr indent="0" lvl="0" marL="0" rtl="0" algn="r">
+              <a:spcBef>
+                <a:spcPts val="0"/>
+              </a:spcBef>
+              <a:spcAft>
+                <a:spcPts val="0"/>
+              </a:spcAft>
+              <a:buNone/>
+            </a:pPr>
+            <a:fld id="{00000000-1234-1234-1234-123412341234}" type="slidenum">
+              <a:rPr lang="en">
+                <a:solidFill>
+                  <a:schemeClr val="dk2"/>
+                </a:solidFill>
+              </a:rPr>
+              <a:t>‹#›</a:t>
+            </a:fld>
+            <a:endParaRPr>
+              <a:solidFill>
+                <a:schemeClr val="dk2"/>
+              </a:solidFill>
+            </a:endParaRPr>
+          </a:p>
+        </p:txBody>
+      </p:sp>
+      <p:sp>
+        <p:nvSpPr>
+          <p:cNvPr id="143" name="Google Shape;143;p23"/>
+          <p:cNvSpPr txBox="1"/>
+          <p:nvPr/>
+        </p:nvSpPr>
+        <p:spPr>
+          <a:xfrm>
+            <a:off x="7296419" y="4829685"/>
+            <a:ext cx="1871100" cy="303900"/>
+          </a:xfrm>
+          <a:prstGeom prst="rect">
+            <a:avLst/>
+          </a:prstGeom>
+          <a:noFill/>
+          <a:ln>
+            <a:noFill/>
+          </a:ln>
+        </p:spPr>
+        <p:txBody>
+          <a:bodyPr anchorCtr="0" anchor="t" bIns="45700" lIns="91425" spcFirstLastPara="1" rIns="91425" wrap="square" tIns="45700">
+            <a:noAutofit/>
+          </a:bodyPr>
+          <a:lstStyle/>
+          <a:p>
+            <a:pPr indent="0" lvl="0" marL="0" marR="0" rtl="0" algn="l">
+              <a:spcBef>
+                <a:spcPts val="0"/>
+              </a:spcBef>
+              <a:spcAft>
+                <a:spcPts val="0"/>
+              </a:spcAft>
+              <a:buClr>
+                <a:schemeClr val="lt1"/>
+              </a:buClr>
+              <a:buSzPts val="1000"/>
+              <a:buFont typeface="Arial"/>
+              <a:buNone/>
+            </a:pPr>
+            <a:r>
+              <a:rPr lang="en" sz="700">
+                <a:solidFill>
+                  <a:schemeClr val="lt1"/>
+                </a:solidFill>
+                <a:latin typeface="Georgia"/>
+                <a:ea typeface="Georgia"/>
+                <a:cs typeface="Georgia"/>
+                <a:sym typeface="Georgia"/>
+              </a:rPr>
+              <a:t>MIDS 2022 Summer, W255 Project</a:t>
+            </a:r>
+            <a:br>
+              <a:rPr lang="en" sz="700">
+                <a:solidFill>
+                  <a:schemeClr val="lt1"/>
+                </a:solidFill>
+                <a:latin typeface="Georgia"/>
+                <a:ea typeface="Georgia"/>
+                <a:cs typeface="Georgia"/>
+                <a:sym typeface="Georgia"/>
+              </a:rPr>
+            </a:br>
+            <a:r>
+              <a:rPr lang="en" sz="700">
+                <a:solidFill>
+                  <a:schemeClr val="lt1"/>
+                </a:solidFill>
+                <a:latin typeface="Georgia"/>
+                <a:ea typeface="Georgia"/>
+                <a:cs typeface="Georgia"/>
+                <a:sym typeface="Georgia"/>
+              </a:rPr>
+              <a:t>Don Irwin</a:t>
+            </a:r>
+            <a:endParaRPr sz="700">
+              <a:latin typeface="Georgia"/>
+              <a:ea typeface="Georgia"/>
+              <a:cs typeface="Georgia"/>
+              <a:sym typeface="Georgia"/>
+            </a:endParaRPr>
+          </a:p>
+        </p:txBody>
+      </p:sp>
+      <p:sp>
+        <p:nvSpPr>
+          <p:cNvPr id="144" name="Google Shape;144;p23"/>
+          <p:cNvSpPr txBox="1"/>
+          <p:nvPr/>
+        </p:nvSpPr>
+        <p:spPr>
+          <a:xfrm>
+            <a:off x="311542" y="202225"/>
+            <a:ext cx="8520900" cy="303900"/>
+          </a:xfrm>
+          <a:prstGeom prst="rect">
+            <a:avLst/>
+          </a:prstGeom>
+          <a:noFill/>
+          <a:ln>
+            <a:noFill/>
+          </a:ln>
+        </p:spPr>
+        <p:txBody>
+          <a:bodyPr anchorCtr="0" anchor="b" bIns="45700" lIns="91425" spcFirstLastPara="1" rIns="91425" wrap="square" tIns="45700">
+            <a:noAutofit/>
+          </a:bodyPr>
+          <a:lstStyle/>
+          <a:p>
+            <a:pPr indent="0" lvl="0" marL="0" rtl="0" algn="l">
+              <a:spcBef>
+                <a:spcPts val="0"/>
+              </a:spcBef>
+              <a:spcAft>
+                <a:spcPts val="0"/>
+              </a:spcAft>
+              <a:buNone/>
+            </a:pPr>
+            <a:r>
+              <a:rPr b="1" lang="en" sz="2000">
+                <a:solidFill>
+                  <a:srgbClr val="1A1A1A"/>
+                </a:solidFill>
+                <a:latin typeface="Georgia"/>
+                <a:ea typeface="Georgia"/>
+                <a:cs typeface="Georgia"/>
+                <a:sym typeface="Georgia"/>
+              </a:rPr>
               <a:t>Sample Application</a:t>
             </a:r>
             <a:r>
@@ -10653,7 +11069,7 @@
       </p:sp>
       <p:sp>
         <p:nvSpPr>
-          <p:cNvPr id="136" name="Google Shape;136;p22"/>
+          <p:cNvPr id="145" name="Google Shape;145;p23"/>
           <p:cNvSpPr txBox="1"/>
           <p:nvPr/>
         </p:nvSpPr>
@@ -11001,7 +11417,7 @@
 </p:sld>
 </file>
 
-<file path=ppt/slides/slide8.xml><?xml version="1.0" encoding="utf-8"?>
+<file path=ppt/slides/slide9.xml><?xml version="1.0" encoding="utf-8"?>
 <p:sld xmlns:a="http://schemas.openxmlformats.org/drawingml/2006/main" xmlns:r="http://schemas.openxmlformats.org/officeDocument/2006/relationships" xmlns:mc="http://schemas.openxmlformats.org/markup-compatibility/2006" xmlns:mv="urn:schemas-microsoft-com:mac:vml" xmlns:p="http://schemas.openxmlformats.org/presentationml/2006/main" xmlns:c="http://schemas.openxmlformats.org/drawingml/2006/chart" xmlns:dgm="http://schemas.openxmlformats.org/drawingml/2006/diagram" xmlns:o="urn:schemas-microsoft-com:office:office" xmlns:v="urn:schemas-microsoft-com:vml" xmlns:pvml="urn:schemas-microsoft-com:office:powerpoint" xmlns:com="http://schemas.openxmlformats.org/drawingml/2006/compatibility" xmlns:p14="http://schemas.microsoft.com/office/powerpoint/2010/main" xmlns:p15="http://schemas.microsoft.com/office/powerpoint/2012/main" xmlns:ahyp="http://schemas.microsoft.com/office/drawing/2018/hyperlinkcolor">
   <p:cSld>
     <p:bg>
@@ -11013,7 +11429,7 @@
     </p:bg>
     <p:spTree>
       <p:nvGrpSpPr>
-        <p:cNvPr id="140" name="Shape 140"/>
+        <p:cNvPr id="149" name="Shape 149"/>
         <p:cNvGrpSpPr/>
         <p:nvPr/>
       </p:nvGrpSpPr>
@@ -11027,7 +11443,7 @@
       </p:grpSpPr>
       <p:sp>
         <p:nvSpPr>
-          <p:cNvPr id="141" name="Google Shape;141;p23"/>
+          <p:cNvPr id="150" name="Google Shape;150;p24"/>
           <p:cNvSpPr txBox="1"/>
           <p:nvPr/>
         </p:nvSpPr>
@@ -11092,6 +11508,285 @@
 </file>
 
 <file path=ppt/theme/theme1.xml><?xml version="1.0" encoding="utf-8"?>
+<a:theme xmlns:a="http://schemas.openxmlformats.org/drawingml/2006/main" xmlns:r="http://schemas.openxmlformats.org/officeDocument/2006/relationships" name="BrandSlideShow_Heritage 16:9">
+  <a:themeElements>
+    <a:clrScheme name="Simple Light">
+      <a:dk1>
+        <a:srgbClr val="000000"/>
+      </a:dk1>
+      <a:lt1>
+        <a:srgbClr val="FFFFFF"/>
+      </a:lt1>
+      <a:dk2>
+        <a:srgbClr val="595959"/>
+      </a:dk2>
+      <a:lt2>
+        <a:srgbClr val="EEEEEE"/>
+      </a:lt2>
+      <a:accent1>
+        <a:srgbClr val="FFAB40"/>
+      </a:accent1>
+      <a:accent2>
+        <a:srgbClr val="212121"/>
+      </a:accent2>
+      <a:accent3>
+        <a:srgbClr val="78909C"/>
+      </a:accent3>
+      <a:accent4>
+        <a:srgbClr val="FFAB40"/>
+      </a:accent4>
+      <a:accent5>
+        <a:srgbClr val="0097A7"/>
+      </a:accent5>
+      <a:accent6>
+        <a:srgbClr val="EEFF41"/>
+      </a:accent6>
+      <a:hlink>
+        <a:srgbClr val="0097A7"/>
+      </a:hlink>
+      <a:folHlink>
+        <a:srgbClr val="0097A7"/>
+      </a:folHlink>
+    </a:clrScheme>
+    <a:fontScheme name="Office">
+      <a:majorFont>
+        <a:latin typeface="Arial"/>
+        <a:ea typeface=""/>
+        <a:cs typeface=""/>
+        <a:font script="Jpan" typeface="ＭＳ Ｐゴシック"/>
+        <a:font script="Hang" typeface="맑은 고딕"/>
+        <a:font script="Hans" typeface="宋体"/>
+        <a:font script="Hant" typeface="新細明體"/>
+        <a:font script="Arab" typeface="Times New Roman"/>
+        <a:font script="Hebr" typeface="Times New Roman"/>
+        <a:font script="Thai" typeface="Angsana New"/>
+        <a:font script="Ethi" typeface="Nyala"/>
+        <a:font script="Beng" typeface="Vrinda"/>
+        <a:font script="Gujr" typeface="Shruti"/>
+        <a:font script="Khmr" typeface="MoolBoran"/>
+        <a:font script="Knda" typeface="Tunga"/>
+        <a:font script="Guru" typeface="Raavi"/>
+        <a:font script="Cans" typeface="Euphemia"/>
+        <a:font script="Cher" typeface="Plantagenet Cherokee"/>
+        <a:font script="Yiii" typeface="Microsoft Yi Baiti"/>
+        <a:font script="Tibt" typeface="Microsoft Himalaya"/>
+        <a:font script="Thaa" typeface="MV Boli"/>
+        <a:font script="Deva" typeface="Mangal"/>
+        <a:font script="Telu" typeface="Gautami"/>
+        <a:font script="Taml" typeface="Latha"/>
+        <a:font script="Syrc" typeface="Estrangelo Edessa"/>
+        <a:font script="Orya" typeface="Kalinga"/>
+        <a:font script="Mlym" typeface="Kartika"/>
+        <a:font script="Laoo" typeface="DokChampa"/>
+        <a:font script="Sinh" typeface="Iskoola Pota"/>
+        <a:font script="Mong" typeface="Mongolian Baiti"/>
+        <a:font script="Viet" typeface="Times New Roman"/>
+        <a:font script="Uigh" typeface="Microsoft Uighur"/>
+        <a:font script="Geor" typeface="Sylfaen"/>
+      </a:majorFont>
+      <a:minorFont>
+        <a:latin typeface="Arial"/>
+        <a:ea typeface=""/>
+        <a:cs typeface=""/>
+        <a:font script="Jpan" typeface="ＭＳ Ｐゴシック"/>
+        <a:font script="Hang" typeface="맑은 고딕"/>
+        <a:font script="Hans" typeface="宋体"/>
+        <a:font script="Hant" typeface="新細明體"/>
+        <a:font script="Arab" typeface="Arial"/>
+        <a:font script="Hebr" typeface="Arial"/>
+        <a:font script="Thai" typeface="Cordia New"/>
+        <a:font script="Ethi" typeface="Nyala"/>
+        <a:font script="Beng" typeface="Vrinda"/>
+        <a:font script="Gujr" typeface="Shruti"/>
+        <a:font script="Khmr" typeface="DaunPenh"/>
+        <a:font script="Knda" typeface="Tunga"/>
+        <a:font script="Guru" typeface="Raavi"/>
+        <a:font script="Cans" typeface="Euphemia"/>
+        <a:font script="Cher" typeface="Plantagenet Cherokee"/>
+        <a:font script="Yiii" typeface="Microsoft Yi Baiti"/>
+        <a:font script="Tibt" typeface="Microsoft Himalaya"/>
+        <a:font script="Thaa" typeface="MV Boli"/>
+        <a:font script="Deva" typeface="Mangal"/>
+        <a:font script="Telu" typeface="Gautami"/>
+        <a:font script="Taml" typeface="Latha"/>
+        <a:font script="Syrc" typeface="Estrangelo Edessa"/>
+        <a:font script="Orya" typeface="Kalinga"/>
+        <a:font script="Mlym" typeface="Kartika"/>
+        <a:font script="Laoo" typeface="DokChampa"/>
+        <a:font script="Sinh" typeface="Iskoola Pota"/>
+        <a:font script="Mong" typeface="Mongolian Baiti"/>
+        <a:font script="Viet" typeface="Arial"/>
+        <a:font script="Uigh" typeface="Microsoft Uighur"/>
+        <a:font script="Geor" typeface="Sylfaen"/>
+      </a:minorFont>
+    </a:fontScheme>
+    <a:fmtScheme name="Office">
+      <a:fillStyleLst>
+        <a:solidFill>
+          <a:schemeClr val="phClr"/>
+        </a:solidFill>
+        <a:gradFill rotWithShape="1">
+          <a:gsLst>
+            <a:gs pos="0">
+              <a:schemeClr val="phClr">
+                <a:tint val="50000"/>
+                <a:satMod val="300000"/>
+              </a:schemeClr>
+            </a:gs>
+            <a:gs pos="35000">
+              <a:schemeClr val="phClr">
+                <a:tint val="37000"/>
+                <a:satMod val="300000"/>
+              </a:schemeClr>
+            </a:gs>
+            <a:gs pos="100000">
+              <a:schemeClr val="phClr">
+                <a:tint val="15000"/>
+                <a:satMod val="350000"/>
+              </a:schemeClr>
+            </a:gs>
+          </a:gsLst>
+          <a:lin ang="16200000" scaled="1"/>
+        </a:gradFill>
+        <a:gradFill rotWithShape="1">
+          <a:gsLst>
+            <a:gs pos="0">
+              <a:schemeClr val="phClr">
+                <a:tint val="100000"/>
+                <a:shade val="100000"/>
+                <a:satMod val="130000"/>
+              </a:schemeClr>
+            </a:gs>
+            <a:gs pos="100000">
+              <a:schemeClr val="phClr">
+                <a:tint val="50000"/>
+                <a:shade val="100000"/>
+                <a:satMod val="350000"/>
+              </a:schemeClr>
+            </a:gs>
+          </a:gsLst>
+          <a:lin ang="16200000" scaled="0"/>
+        </a:gradFill>
+      </a:fillStyleLst>
+      <a:lnStyleLst>
+        <a:ln w="9525" cap="flat" cmpd="sng" algn="ctr">
+          <a:solidFill>
+            <a:schemeClr val="phClr">
+              <a:shade val="95000"/>
+              <a:satMod val="105000"/>
+            </a:schemeClr>
+          </a:solidFill>
+          <a:prstDash val="solid"/>
+        </a:ln>
+        <a:ln w="25400" cap="flat" cmpd="sng" algn="ctr">
+          <a:solidFill>
+            <a:schemeClr val="phClr"/>
+          </a:solidFill>
+          <a:prstDash val="solid"/>
+        </a:ln>
+        <a:ln w="38100" cap="flat" cmpd="sng" algn="ctr">
+          <a:solidFill>
+            <a:schemeClr val="phClr"/>
+          </a:solidFill>
+          <a:prstDash val="solid"/>
+        </a:ln>
+      </a:lnStyleLst>
+      <a:effectStyleLst>
+        <a:effectStyle>
+          <a:effectLst>
+            <a:outerShdw blurRad="40000" dist="20000" dir="5400000" rotWithShape="0">
+              <a:srgbClr val="000000">
+                <a:alpha val="38000"/>
+              </a:srgbClr>
+            </a:outerShdw>
+          </a:effectLst>
+        </a:effectStyle>
+        <a:effectStyle>
+          <a:effectLst>
+            <a:outerShdw blurRad="40000" dist="23000" dir="5400000" rotWithShape="0">
+              <a:srgbClr val="000000">
+                <a:alpha val="35000"/>
+              </a:srgbClr>
+            </a:outerShdw>
+          </a:effectLst>
+        </a:effectStyle>
+        <a:effectStyle>
+          <a:effectLst>
+            <a:outerShdw blurRad="40000" dist="23000" dir="5400000" rotWithShape="0">
+              <a:srgbClr val="000000">
+                <a:alpha val="35000"/>
+              </a:srgbClr>
+            </a:outerShdw>
+          </a:effectLst>
+          <a:scene3d>
+            <a:camera prst="orthographicFront">
+              <a:rot lat="0" lon="0" rev="0"/>
+            </a:camera>
+            <a:lightRig rig="threePt" dir="t">
+              <a:rot lat="0" lon="0" rev="1200000"/>
+            </a:lightRig>
+          </a:scene3d>
+          <a:sp3d>
+            <a:bevelT w="63500" h="25400"/>
+          </a:sp3d>
+        </a:effectStyle>
+      </a:effectStyleLst>
+      <a:bgFillStyleLst>
+        <a:solidFill>
+          <a:schemeClr val="phClr"/>
+        </a:solidFill>
+        <a:gradFill rotWithShape="1">
+          <a:gsLst>
+            <a:gs pos="0">
+              <a:schemeClr val="phClr">
+                <a:tint val="40000"/>
+                <a:satMod val="350000"/>
+              </a:schemeClr>
+            </a:gs>
+            <a:gs pos="40000">
+              <a:schemeClr val="phClr">
+                <a:tint val="45000"/>
+                <a:shade val="99000"/>
+                <a:satMod val="350000"/>
+              </a:schemeClr>
+            </a:gs>
+            <a:gs pos="100000">
+              <a:schemeClr val="phClr">
+                <a:shade val="20000"/>
+                <a:satMod val="255000"/>
+              </a:schemeClr>
+            </a:gs>
+          </a:gsLst>
+          <a:path path="circle">
+            <a:fillToRect l="50000" t="-80000" r="50000" b="180000"/>
+          </a:path>
+        </a:gradFill>
+        <a:gradFill rotWithShape="1">
+          <a:gsLst>
+            <a:gs pos="0">
+              <a:schemeClr val="phClr">
+                <a:tint val="80000"/>
+                <a:satMod val="300000"/>
+              </a:schemeClr>
+            </a:gs>
+            <a:gs pos="100000">
+              <a:schemeClr val="phClr">
+                <a:shade val="30000"/>
+                <a:satMod val="200000"/>
+              </a:schemeClr>
+            </a:gs>
+          </a:gsLst>
+          <a:path path="circle">
+            <a:fillToRect l="50000" t="50000" r="50000" b="50000"/>
+          </a:path>
+        </a:gradFill>
+      </a:bgFillStyleLst>
+    </a:fmtScheme>
+  </a:themeElements>
+</a:theme>
+</file>
+
+<file path=ppt/theme/theme2.xml><?xml version="1.0" encoding="utf-8"?>
 <a:theme xmlns:a="http://schemas.openxmlformats.org/drawingml/2006/main" xmlns:r="http://schemas.openxmlformats.org/officeDocument/2006/relationships">
   <a:themeElements>
     <a:clrScheme name="Default">
@@ -11368,283 +12063,4 @@
     </a:fmtScheme>
   </a:themeElements>
 </a:theme>
-</file>
-
-<file path=ppt/theme/theme2.xml><?xml version="1.0" encoding="utf-8"?>
-<a:theme xmlns:a="http://schemas.openxmlformats.org/drawingml/2006/main" xmlns:r="http://schemas.openxmlformats.org/officeDocument/2006/relationships" name="BrandSlideShow_Heritage 16:9">
-  <a:themeElements>
-    <a:clrScheme name="Simple Light">
-      <a:dk1>
-        <a:srgbClr val="000000"/>
-      </a:dk1>
-      <a:lt1>
-        <a:srgbClr val="FFFFFF"/>
-      </a:lt1>
-      <a:dk2>
-        <a:srgbClr val="595959"/>
-      </a:dk2>
-      <a:lt2>
-        <a:srgbClr val="EEEEEE"/>
-      </a:lt2>
-      <a:accent1>
-        <a:srgbClr val="FFAB40"/>
-      </a:accent1>
-      <a:accent2>
-        <a:srgbClr val="212121"/>
-      </a:accent2>
-      <a:accent3>
-        <a:srgbClr val="78909C"/>
-      </a:accent3>
-      <a:accent4>
-        <a:srgbClr val="FFAB40"/>
-      </a:accent4>
-      <a:accent5>
-        <a:srgbClr val="0097A7"/>
-      </a:accent5>
-      <a:accent6>
-        <a:srgbClr val="EEFF41"/>
-      </a:accent6>
-      <a:hlink>
-        <a:srgbClr val="0097A7"/>
-      </a:hlink>
-      <a:folHlink>
-        <a:srgbClr val="0097A7"/>
-      </a:folHlink>
-    </a:clrScheme>
-    <a:fontScheme name="Office">
-      <a:majorFont>
-        <a:latin typeface="Arial"/>
-        <a:ea typeface=""/>
-        <a:cs typeface=""/>
-        <a:font script="Jpan" typeface="ＭＳ Ｐゴシック"/>
-        <a:font script="Hang" typeface="맑은 고딕"/>
-        <a:font script="Hans" typeface="宋体"/>
-        <a:font script="Hant" typeface="新細明體"/>
-        <a:font script="Arab" typeface="Times New Roman"/>
-        <a:font script="Hebr" typeface="Times New Roman"/>
-        <a:font script="Thai" typeface="Angsana New"/>
-        <a:font script="Ethi" typeface="Nyala"/>
-        <a:font script="Beng" typeface="Vrinda"/>
-        <a:font script="Gujr" typeface="Shruti"/>
-        <a:font script="Khmr" typeface="MoolBoran"/>
-        <a:font script="Knda" typeface="Tunga"/>
-        <a:font script="Guru" typeface="Raavi"/>
-        <a:font script="Cans" typeface="Euphemia"/>
-        <a:font script="Cher" typeface="Plantagenet Cherokee"/>
-        <a:font script="Yiii" typeface="Microsoft Yi Baiti"/>
-        <a:font script="Tibt" typeface="Microsoft Himalaya"/>
-        <a:font script="Thaa" typeface="MV Boli"/>
-        <a:font script="Deva" typeface="Mangal"/>
-        <a:font script="Telu" typeface="Gautami"/>
-        <a:font script="Taml" typeface="Latha"/>
-        <a:font script="Syrc" typeface="Estrangelo Edessa"/>
-        <a:font script="Orya" typeface="Kalinga"/>
-        <a:font script="Mlym" typeface="Kartika"/>
-        <a:font script="Laoo" typeface="DokChampa"/>
-        <a:font script="Sinh" typeface="Iskoola Pota"/>
-        <a:font script="Mong" typeface="Mongolian Baiti"/>
-        <a:font script="Viet" typeface="Times New Roman"/>
-        <a:font script="Uigh" typeface="Microsoft Uighur"/>
-        <a:font script="Geor" typeface="Sylfaen"/>
-      </a:majorFont>
-      <a:minorFont>
-        <a:latin typeface="Arial"/>
-        <a:ea typeface=""/>
-        <a:cs typeface=""/>
-        <a:font script="Jpan" typeface="ＭＳ Ｐゴシック"/>
-        <a:font script="Hang" typeface="맑은 고딕"/>
-        <a:font script="Hans" typeface="宋体"/>
-        <a:font script="Hant" typeface="新細明體"/>
-        <a:font script="Arab" typeface="Arial"/>
-        <a:font script="Hebr" typeface="Arial"/>
-        <a:font script="Thai" typeface="Cordia New"/>
-        <a:font script="Ethi" typeface="Nyala"/>
-        <a:font script="Beng" typeface="Vrinda"/>
-        <a:font script="Gujr" typeface="Shruti"/>
-        <a:font script="Khmr" typeface="DaunPenh"/>
-        <a:font script="Knda" typeface="Tunga"/>
-        <a:font script="Guru" typeface="Raavi"/>
-        <a:font script="Cans" typeface="Euphemia"/>
-        <a:font script="Cher" typeface="Plantagenet Cherokee"/>
-        <a:font script="Yiii" typeface="Microsoft Yi Baiti"/>
-        <a:font script="Tibt" typeface="Microsoft Himalaya"/>
-        <a:font script="Thaa" typeface="MV Boli"/>
-        <a:font script="Deva" typeface="Mangal"/>
-        <a:font script="Telu" typeface="Gautami"/>
-        <a:font script="Taml" typeface="Latha"/>
-        <a:font script="Syrc" typeface="Estrangelo Edessa"/>
-        <a:font script="Orya" typeface="Kalinga"/>
-        <a:font script="Mlym" typeface="Kartika"/>
-        <a:font script="Laoo" typeface="DokChampa"/>
-        <a:font script="Sinh" typeface="Iskoola Pota"/>
-        <a:font script="Mong" typeface="Mongolian Baiti"/>
-        <a:font script="Viet" typeface="Arial"/>
-        <a:font script="Uigh" typeface="Microsoft Uighur"/>
-        <a:font script="Geor" typeface="Sylfaen"/>
-      </a:minorFont>
-    </a:fontScheme>
-    <a:fmtScheme name="Office">
-      <a:fillStyleLst>
-        <a:solidFill>
-          <a:schemeClr val="phClr"/>
-        </a:solidFill>
-        <a:gradFill rotWithShape="1">
-          <a:gsLst>
-            <a:gs pos="0">
-              <a:schemeClr val="phClr">
-                <a:tint val="50000"/>
-                <a:satMod val="300000"/>
-              </a:schemeClr>
-            </a:gs>
-            <a:gs pos="35000">
-              <a:schemeClr val="phClr">
-                <a:tint val="37000"/>
-                <a:satMod val="300000"/>
-              </a:schemeClr>
-            </a:gs>
-            <a:gs pos="100000">
-              <a:schemeClr val="phClr">
-                <a:tint val="15000"/>
-                <a:satMod val="350000"/>
-              </a:schemeClr>
-            </a:gs>
-          </a:gsLst>
-          <a:lin ang="16200000" scaled="1"/>
-        </a:gradFill>
-        <a:gradFill rotWithShape="1">
-          <a:gsLst>
-            <a:gs pos="0">
-              <a:schemeClr val="phClr">
-                <a:tint val="100000"/>
-                <a:shade val="100000"/>
-                <a:satMod val="130000"/>
-              </a:schemeClr>
-            </a:gs>
-            <a:gs pos="100000">
-              <a:schemeClr val="phClr">
-                <a:tint val="50000"/>
-                <a:shade val="100000"/>
-                <a:satMod val="350000"/>
-              </a:schemeClr>
-            </a:gs>
-          </a:gsLst>
-          <a:lin ang="16200000" scaled="0"/>
-        </a:gradFill>
-      </a:fillStyleLst>
-      <a:lnStyleLst>
-        <a:ln w="9525" cap="flat" cmpd="sng" algn="ctr">
-          <a:solidFill>
-            <a:schemeClr val="phClr">
-              <a:shade val="95000"/>
-              <a:satMod val="105000"/>
-            </a:schemeClr>
-          </a:solidFill>
-          <a:prstDash val="solid"/>
-        </a:ln>
-        <a:ln w="25400" cap="flat" cmpd="sng" algn="ctr">
-          <a:solidFill>
-            <a:schemeClr val="phClr"/>
-          </a:solidFill>
-          <a:prstDash val="solid"/>
-        </a:ln>
-        <a:ln w="38100" cap="flat" cmpd="sng" algn="ctr">
-          <a:solidFill>
-            <a:schemeClr val="phClr"/>
-          </a:solidFill>
-          <a:prstDash val="solid"/>
-        </a:ln>
-      </a:lnStyleLst>
-      <a:effectStyleLst>
-        <a:effectStyle>
-          <a:effectLst>
-            <a:outerShdw blurRad="40000" dist="20000" dir="5400000" rotWithShape="0">
-              <a:srgbClr val="000000">
-                <a:alpha val="38000"/>
-              </a:srgbClr>
-            </a:outerShdw>
-          </a:effectLst>
-        </a:effectStyle>
-        <a:effectStyle>
-          <a:effectLst>
-            <a:outerShdw blurRad="40000" dist="23000" dir="5400000" rotWithShape="0">
-              <a:srgbClr val="000000">
-                <a:alpha val="35000"/>
-              </a:srgbClr>
-            </a:outerShdw>
-          </a:effectLst>
-        </a:effectStyle>
-        <a:effectStyle>
-          <a:effectLst>
-            <a:outerShdw blurRad="40000" dist="23000" dir="5400000" rotWithShape="0">
-              <a:srgbClr val="000000">
-                <a:alpha val="35000"/>
-              </a:srgbClr>
-            </a:outerShdw>
-          </a:effectLst>
-          <a:scene3d>
-            <a:camera prst="orthographicFront">
-              <a:rot lat="0" lon="0" rev="0"/>
-            </a:camera>
-            <a:lightRig rig="threePt" dir="t">
-              <a:rot lat="0" lon="0" rev="1200000"/>
-            </a:lightRig>
-          </a:scene3d>
-          <a:sp3d>
-            <a:bevelT w="63500" h="25400"/>
-          </a:sp3d>
-        </a:effectStyle>
-      </a:effectStyleLst>
-      <a:bgFillStyleLst>
-        <a:solidFill>
-          <a:schemeClr val="phClr"/>
-        </a:solidFill>
-        <a:gradFill rotWithShape="1">
-          <a:gsLst>
-            <a:gs pos="0">
-              <a:schemeClr val="phClr">
-                <a:tint val="40000"/>
-                <a:satMod val="350000"/>
-              </a:schemeClr>
-            </a:gs>
-            <a:gs pos="40000">
-              <a:schemeClr val="phClr">
-                <a:tint val="45000"/>
-                <a:shade val="99000"/>
-                <a:satMod val="350000"/>
-              </a:schemeClr>
-            </a:gs>
-            <a:gs pos="100000">
-              <a:schemeClr val="phClr">
-                <a:shade val="20000"/>
-                <a:satMod val="255000"/>
-              </a:schemeClr>
-            </a:gs>
-          </a:gsLst>
-          <a:path path="circle">
-            <a:fillToRect l="50000" t="-80000" r="50000" b="180000"/>
-          </a:path>
-        </a:gradFill>
-        <a:gradFill rotWithShape="1">
-          <a:gsLst>
-            <a:gs pos="0">
-              <a:schemeClr val="phClr">
-                <a:tint val="80000"/>
-                <a:satMod val="300000"/>
-              </a:schemeClr>
-            </a:gs>
-            <a:gs pos="100000">
-              <a:schemeClr val="phClr">
-                <a:shade val="30000"/>
-                <a:satMod val="200000"/>
-              </a:schemeClr>
-            </a:gs>
-          </a:gsLst>
-          <a:path path="circle">
-            <a:fillToRect l="50000" t="50000" r="50000" b="50000"/>
-          </a:path>
-        </a:gradFill>
-      </a:bgFillStyleLst>
-    </a:fmtScheme>
-  </a:themeElements>
-</a:theme>
 </file>